--- a/unified_summ/ACL_presentation.pptx
+++ b/unified_summ/ACL_presentation.pptx
@@ -26,7 +26,7 @@
     <p:sldId id="261" r:id="rId17"/>
     <p:sldId id="262" r:id="rId18"/>
     <p:sldId id="272" r:id="rId19"/>
-    <p:sldId id="273" r:id="rId20"/>
+    <p:sldId id="366" r:id="rId20"/>
     <p:sldId id="270" r:id="rId21"/>
     <p:sldId id="337" r:id="rId22"/>
     <p:sldId id="338" r:id="rId23"/>
@@ -2106,7 +2106,7 @@
     </p:spTree>
     <p:extLst>
       <p:ext uri="{BB962C8B-B14F-4D97-AF65-F5344CB8AC3E}">
-        <p14:creationId xmlns:p14="http://schemas.microsoft.com/office/powerpoint/2010/main" val="1672144471"/>
+        <p14:creationId xmlns:p14="http://schemas.microsoft.com/office/powerpoint/2010/main" val="2755752713"/>
       </p:ext>
     </p:extLst>
   </p:cSld>
@@ -10631,7 +10631,7 @@
                 <a:gridCol w="3298205">
                   <a:extLst>
                     <a:ext uri="{9D8B030D-6E8A-4147-A177-3AD203B41FA5}">
-                      <a16:colId xmlns:a16="http://schemas.microsoft.com/office/drawing/2014/main" xmlns="" val="1502698933"/>
+                      <a16:colId xmlns="" xmlns:a16="http://schemas.microsoft.com/office/drawing/2014/main" val="1502698933"/>
                     </a:ext>
                   </a:extLst>
                 </a:gridCol>
@@ -10653,7 +10653,7 @@
                 </a:tc>
                 <a:extLst>
                   <a:ext uri="{0D108BD9-81ED-4DB2-BD59-A6C34878D82A}">
-                    <a16:rowId xmlns:a16="http://schemas.microsoft.com/office/drawing/2014/main" xmlns="" val="2250549522"/>
+                    <a16:rowId xmlns="" xmlns:a16="http://schemas.microsoft.com/office/drawing/2014/main" val="2250549522"/>
                   </a:ext>
                 </a:extLst>
               </a:tr>
@@ -10674,7 +10674,7 @@
                 </a:tc>
                 <a:extLst>
                   <a:ext uri="{0D108BD9-81ED-4DB2-BD59-A6C34878D82A}">
-                    <a16:rowId xmlns:a16="http://schemas.microsoft.com/office/drawing/2014/main" xmlns="" val="1377497890"/>
+                    <a16:rowId xmlns="" xmlns:a16="http://schemas.microsoft.com/office/drawing/2014/main" val="1377497890"/>
                   </a:ext>
                 </a:extLst>
               </a:tr>
@@ -10780,7 +10780,7 @@
                 <a:gridCol w="3298205">
                   <a:extLst>
                     <a:ext uri="{9D8B030D-6E8A-4147-A177-3AD203B41FA5}">
-                      <a16:colId xmlns:a16="http://schemas.microsoft.com/office/drawing/2014/main" xmlns="" val="1502698933"/>
+                      <a16:colId xmlns="" xmlns:a16="http://schemas.microsoft.com/office/drawing/2014/main" val="1502698933"/>
                     </a:ext>
                   </a:extLst>
                 </a:gridCol>
@@ -10807,7 +10807,7 @@
                 </a:tc>
                 <a:extLst>
                   <a:ext uri="{0D108BD9-81ED-4DB2-BD59-A6C34878D82A}">
-                    <a16:rowId xmlns:a16="http://schemas.microsoft.com/office/drawing/2014/main" xmlns="" val="2250549522"/>
+                    <a16:rowId xmlns="" xmlns:a16="http://schemas.microsoft.com/office/drawing/2014/main" val="2250549522"/>
                   </a:ext>
                 </a:extLst>
               </a:tr>
@@ -10828,7 +10828,7 @@
                 </a:tc>
                 <a:extLst>
                   <a:ext uri="{0D108BD9-81ED-4DB2-BD59-A6C34878D82A}">
-                    <a16:rowId xmlns:a16="http://schemas.microsoft.com/office/drawing/2014/main" xmlns="" val="1377497890"/>
+                    <a16:rowId xmlns="" xmlns:a16="http://schemas.microsoft.com/office/drawing/2014/main" val="1377497890"/>
                   </a:ext>
                 </a:extLst>
               </a:tr>
@@ -19623,7 +19623,7 @@
           <p:cNvPr id="4" name="Picture 3">
             <a:extLst>
               <a:ext uri="{FF2B5EF4-FFF2-40B4-BE49-F238E27FC236}">
-                <a16:creationId xmlns:a16="http://schemas.microsoft.com/office/drawing/2014/main" xmlns="" id="{F1CEB50F-67D2-45E8-83A2-5F8F4B8466F5}"/>
+                <a16:creationId xmlns="" xmlns:a16="http://schemas.microsoft.com/office/drawing/2014/main" id="{F1CEB50F-67D2-45E8-83A2-5F8F4B8466F5}"/>
               </a:ext>
             </a:extLst>
           </p:cNvPr>
@@ -19828,7 +19828,7 @@
           <p:cNvPr id="2" name="Rectangle 1">
             <a:extLst>
               <a:ext uri="{FF2B5EF4-FFF2-40B4-BE49-F238E27FC236}">
-                <a16:creationId xmlns:a16="http://schemas.microsoft.com/office/drawing/2014/main" xmlns="" id="{A2659B98-49AC-40F2-A64F-1812B64B50A6}"/>
+                <a16:creationId xmlns="" xmlns:a16="http://schemas.microsoft.com/office/drawing/2014/main" id="{A2659B98-49AC-40F2-A64F-1812B64B50A6}"/>
               </a:ext>
             </a:extLst>
           </p:cNvPr>
@@ -19880,7 +19880,7 @@
           <p:cNvPr id="3" name="TextBox 2">
             <a:extLst>
               <a:ext uri="{FF2B5EF4-FFF2-40B4-BE49-F238E27FC236}">
-                <a16:creationId xmlns:a16="http://schemas.microsoft.com/office/drawing/2014/main" xmlns="" id="{44D8F4D7-B5AE-4CE1-954B-BB8FBD2C247F}"/>
+                <a16:creationId xmlns="" xmlns:a16="http://schemas.microsoft.com/office/drawing/2014/main" id="{44D8F4D7-B5AE-4CE1-954B-BB8FBD2C247F}"/>
               </a:ext>
             </a:extLst>
           </p:cNvPr>
@@ -19929,7 +19929,7 @@
           <p:cNvPr id="5" name="Picture 4">
             <a:extLst>
               <a:ext uri="{FF2B5EF4-FFF2-40B4-BE49-F238E27FC236}">
-                <a16:creationId xmlns:a16="http://schemas.microsoft.com/office/drawing/2014/main" xmlns="" id="{19586277-BF52-4EAC-8F0F-2A03ACD3BBC7}"/>
+                <a16:creationId xmlns="" xmlns:a16="http://schemas.microsoft.com/office/drawing/2014/main" id="{19586277-BF52-4EAC-8F0F-2A03ACD3BBC7}"/>
               </a:ext>
             </a:extLst>
           </p:cNvPr>
@@ -19959,7 +19959,7 @@
           <p:cNvPr id="16" name="TextBox 15">
             <a:extLst>
               <a:ext uri="{FF2B5EF4-FFF2-40B4-BE49-F238E27FC236}">
-                <a16:creationId xmlns:a16="http://schemas.microsoft.com/office/drawing/2014/main" xmlns="" id="{A02A8903-B5E3-4558-8F7E-B34DE209C6E9}"/>
+                <a16:creationId xmlns="" xmlns:a16="http://schemas.microsoft.com/office/drawing/2014/main" id="{A02A8903-B5E3-4558-8F7E-B34DE209C6E9}"/>
               </a:ext>
             </a:extLst>
           </p:cNvPr>
@@ -19998,7 +19998,7 @@
           <p:cNvPr id="6" name="Arrow: Up 5">
             <a:extLst>
               <a:ext uri="{FF2B5EF4-FFF2-40B4-BE49-F238E27FC236}">
-                <a16:creationId xmlns:a16="http://schemas.microsoft.com/office/drawing/2014/main" xmlns="" id="{C864C71A-8ABC-4B2A-BE56-CDC4615126DE}"/>
+                <a16:creationId xmlns="" xmlns:a16="http://schemas.microsoft.com/office/drawing/2014/main" id="{C864C71A-8ABC-4B2A-BE56-CDC4615126DE}"/>
               </a:ext>
             </a:extLst>
           </p:cNvPr>
@@ -20558,7 +20558,7 @@
           <p:cNvPr id="10" name="直線接點 5">
             <a:extLst>
               <a:ext uri="{FF2B5EF4-FFF2-40B4-BE49-F238E27FC236}">
-                <a16:creationId xmlns:a16="http://schemas.microsoft.com/office/drawing/2014/main" xmlns="" id="{B2D61799-0B73-49D4-AF2F-218055056139}"/>
+                <a16:creationId xmlns="" xmlns:a16="http://schemas.microsoft.com/office/drawing/2014/main" id="{B2D61799-0B73-49D4-AF2F-218055056139}"/>
               </a:ext>
             </a:extLst>
           </p:cNvPr>
@@ -20602,7 +20602,7 @@
           <p:cNvPr id="14" name="矩形 6">
             <a:extLst>
               <a:ext uri="{FF2B5EF4-FFF2-40B4-BE49-F238E27FC236}">
-                <a16:creationId xmlns:a16="http://schemas.microsoft.com/office/drawing/2014/main" xmlns="" id="{7DE92379-763A-4822-8359-E0CFBD7501DB}"/>
+                <a16:creationId xmlns="" xmlns:a16="http://schemas.microsoft.com/office/drawing/2014/main" id="{7DE92379-763A-4822-8359-E0CFBD7501DB}"/>
               </a:ext>
             </a:extLst>
           </p:cNvPr>
@@ -20659,7 +20659,7 @@
           <p:cNvPr id="15" name="矩形 7">
             <a:extLst>
               <a:ext uri="{FF2B5EF4-FFF2-40B4-BE49-F238E27FC236}">
-                <a16:creationId xmlns:a16="http://schemas.microsoft.com/office/drawing/2014/main" xmlns="" id="{71437978-29E0-48F2-8F37-9B4DA431E428}"/>
+                <a16:creationId xmlns="" xmlns:a16="http://schemas.microsoft.com/office/drawing/2014/main" id="{71437978-29E0-48F2-8F37-9B4DA431E428}"/>
               </a:ext>
             </a:extLst>
           </p:cNvPr>
@@ -20716,7 +20716,7 @@
           <p:cNvPr id="16" name="矩形 8">
             <a:extLst>
               <a:ext uri="{FF2B5EF4-FFF2-40B4-BE49-F238E27FC236}">
-                <a16:creationId xmlns:a16="http://schemas.microsoft.com/office/drawing/2014/main" xmlns="" id="{D7E22E13-FCD5-4640-ADA0-3B4DF914B2B8}"/>
+                <a16:creationId xmlns="" xmlns:a16="http://schemas.microsoft.com/office/drawing/2014/main" id="{D7E22E13-FCD5-4640-ADA0-3B4DF914B2B8}"/>
               </a:ext>
             </a:extLst>
           </p:cNvPr>
@@ -20773,7 +20773,7 @@
           <p:cNvPr id="17" name="直線接點 9">
             <a:extLst>
               <a:ext uri="{FF2B5EF4-FFF2-40B4-BE49-F238E27FC236}">
-                <a16:creationId xmlns:a16="http://schemas.microsoft.com/office/drawing/2014/main" xmlns="" id="{6E076219-64A1-4586-8A67-D622D3972736}"/>
+                <a16:creationId xmlns="" xmlns:a16="http://schemas.microsoft.com/office/drawing/2014/main" id="{6E076219-64A1-4586-8A67-D622D3972736}"/>
               </a:ext>
             </a:extLst>
           </p:cNvPr>
@@ -20810,7 +20810,7 @@
           <p:cNvPr id="18" name="矩形 10">
             <a:extLst>
               <a:ext uri="{FF2B5EF4-FFF2-40B4-BE49-F238E27FC236}">
-                <a16:creationId xmlns:a16="http://schemas.microsoft.com/office/drawing/2014/main" xmlns="" id="{B2C5AE01-E60A-4E64-B66C-883ECB57E1CA}"/>
+                <a16:creationId xmlns="" xmlns:a16="http://schemas.microsoft.com/office/drawing/2014/main" id="{B2C5AE01-E60A-4E64-B66C-883ECB57E1CA}"/>
               </a:ext>
             </a:extLst>
           </p:cNvPr>
@@ -20870,7 +20870,7 @@
           <p:cNvPr id="19" name="矩形 11">
             <a:extLst>
               <a:ext uri="{FF2B5EF4-FFF2-40B4-BE49-F238E27FC236}">
-                <a16:creationId xmlns:a16="http://schemas.microsoft.com/office/drawing/2014/main" xmlns="" id="{08376A85-7533-4339-952C-88F321104613}"/>
+                <a16:creationId xmlns="" xmlns:a16="http://schemas.microsoft.com/office/drawing/2014/main" id="{08376A85-7533-4339-952C-88F321104613}"/>
               </a:ext>
             </a:extLst>
           </p:cNvPr>
@@ -20930,7 +20930,7 @@
           <p:cNvPr id="20" name="矩形 12">
             <a:extLst>
               <a:ext uri="{FF2B5EF4-FFF2-40B4-BE49-F238E27FC236}">
-                <a16:creationId xmlns:a16="http://schemas.microsoft.com/office/drawing/2014/main" xmlns="" id="{1C7C9711-81C8-41FE-90C5-C9ADF32A4537}"/>
+                <a16:creationId xmlns="" xmlns:a16="http://schemas.microsoft.com/office/drawing/2014/main" id="{1C7C9711-81C8-41FE-90C5-C9ADF32A4537}"/>
               </a:ext>
             </a:extLst>
           </p:cNvPr>
@@ -20990,7 +20990,7 @@
           <p:cNvPr id="22" name="矩形 13">
             <a:extLst>
               <a:ext uri="{FF2B5EF4-FFF2-40B4-BE49-F238E27FC236}">
-                <a16:creationId xmlns:a16="http://schemas.microsoft.com/office/drawing/2014/main" xmlns="" id="{2A388D1E-4D51-4133-9D01-1AA5E3CF61F6}"/>
+                <a16:creationId xmlns="" xmlns:a16="http://schemas.microsoft.com/office/drawing/2014/main" id="{2A388D1E-4D51-4133-9D01-1AA5E3CF61F6}"/>
               </a:ext>
             </a:extLst>
           </p:cNvPr>
@@ -21050,7 +21050,7 @@
           <p:cNvPr id="23" name="矩形 14">
             <a:extLst>
               <a:ext uri="{FF2B5EF4-FFF2-40B4-BE49-F238E27FC236}">
-                <a16:creationId xmlns:a16="http://schemas.microsoft.com/office/drawing/2014/main" xmlns="" id="{5F715C19-D4B3-4735-92FF-2E296ACEC57A}"/>
+                <a16:creationId xmlns="" xmlns:a16="http://schemas.microsoft.com/office/drawing/2014/main" id="{5F715C19-D4B3-4735-92FF-2E296ACEC57A}"/>
               </a:ext>
             </a:extLst>
           </p:cNvPr>
@@ -21110,7 +21110,7 @@
           <p:cNvPr id="24" name="矩形 15">
             <a:extLst>
               <a:ext uri="{FF2B5EF4-FFF2-40B4-BE49-F238E27FC236}">
-                <a16:creationId xmlns:a16="http://schemas.microsoft.com/office/drawing/2014/main" xmlns="" id="{69F2C598-2F1A-446E-92B0-8AEF40D712E6}"/>
+                <a16:creationId xmlns="" xmlns:a16="http://schemas.microsoft.com/office/drawing/2014/main" id="{69F2C598-2F1A-446E-92B0-8AEF40D712E6}"/>
               </a:ext>
             </a:extLst>
           </p:cNvPr>
@@ -21170,7 +21170,7 @@
           <p:cNvPr id="25" name="矩形 16">
             <a:extLst>
               <a:ext uri="{FF2B5EF4-FFF2-40B4-BE49-F238E27FC236}">
-                <a16:creationId xmlns:a16="http://schemas.microsoft.com/office/drawing/2014/main" xmlns="" id="{E4784F9C-4B6A-483E-8FCE-9992E5B12964}"/>
+                <a16:creationId xmlns="" xmlns:a16="http://schemas.microsoft.com/office/drawing/2014/main" id="{E4784F9C-4B6A-483E-8FCE-9992E5B12964}"/>
               </a:ext>
             </a:extLst>
           </p:cNvPr>
@@ -21230,7 +21230,7 @@
           <p:cNvPr id="26" name="矩形 17">
             <a:extLst>
               <a:ext uri="{FF2B5EF4-FFF2-40B4-BE49-F238E27FC236}">
-                <a16:creationId xmlns:a16="http://schemas.microsoft.com/office/drawing/2014/main" xmlns="" id="{969C382C-DC4B-4F1A-A6E3-18BCA2C14377}"/>
+                <a16:creationId xmlns="" xmlns:a16="http://schemas.microsoft.com/office/drawing/2014/main" id="{969C382C-DC4B-4F1A-A6E3-18BCA2C14377}"/>
               </a:ext>
             </a:extLst>
           </p:cNvPr>
@@ -21290,7 +21290,7 @@
           <p:cNvPr id="27" name="矩形 18">
             <a:extLst>
               <a:ext uri="{FF2B5EF4-FFF2-40B4-BE49-F238E27FC236}">
-                <a16:creationId xmlns:a16="http://schemas.microsoft.com/office/drawing/2014/main" xmlns="" id="{B4650ACA-F1FD-4222-B3D9-0212D5AA5F3E}"/>
+                <a16:creationId xmlns="" xmlns:a16="http://schemas.microsoft.com/office/drawing/2014/main" id="{B4650ACA-F1FD-4222-B3D9-0212D5AA5F3E}"/>
               </a:ext>
             </a:extLst>
           </p:cNvPr>
@@ -21350,7 +21350,7 @@
           <p:cNvPr id="28" name="矩形 19">
             <a:extLst>
               <a:ext uri="{FF2B5EF4-FFF2-40B4-BE49-F238E27FC236}">
-                <a16:creationId xmlns:a16="http://schemas.microsoft.com/office/drawing/2014/main" xmlns="" id="{F9DE498C-8A8D-4E84-BB8B-3F60FCBF371A}"/>
+                <a16:creationId xmlns="" xmlns:a16="http://schemas.microsoft.com/office/drawing/2014/main" id="{F9DE498C-8A8D-4E84-BB8B-3F60FCBF371A}"/>
               </a:ext>
             </a:extLst>
           </p:cNvPr>
@@ -21410,7 +21410,7 @@
           <p:cNvPr id="29" name="矩形 20">
             <a:extLst>
               <a:ext uri="{FF2B5EF4-FFF2-40B4-BE49-F238E27FC236}">
-                <a16:creationId xmlns:a16="http://schemas.microsoft.com/office/drawing/2014/main" xmlns="" id="{51CA1322-01F1-4B25-94CF-E49B0ED02291}"/>
+                <a16:creationId xmlns="" xmlns:a16="http://schemas.microsoft.com/office/drawing/2014/main" id="{51CA1322-01F1-4B25-94CF-E49B0ED02291}"/>
               </a:ext>
             </a:extLst>
           </p:cNvPr>
@@ -21470,7 +21470,7 @@
           <p:cNvPr id="30" name="矩形 21">
             <a:extLst>
               <a:ext uri="{FF2B5EF4-FFF2-40B4-BE49-F238E27FC236}">
-                <a16:creationId xmlns:a16="http://schemas.microsoft.com/office/drawing/2014/main" xmlns="" id="{164A04F1-1796-4E10-8535-577944D9174D}"/>
+                <a16:creationId xmlns="" xmlns:a16="http://schemas.microsoft.com/office/drawing/2014/main" id="{164A04F1-1796-4E10-8535-577944D9174D}"/>
               </a:ext>
             </a:extLst>
           </p:cNvPr>
@@ -21530,7 +21530,7 @@
           <p:cNvPr id="31" name="矩形 22">
             <a:extLst>
               <a:ext uri="{FF2B5EF4-FFF2-40B4-BE49-F238E27FC236}">
-                <a16:creationId xmlns:a16="http://schemas.microsoft.com/office/drawing/2014/main" xmlns="" id="{4E19BB9A-ED09-4B0B-8026-C3AF20FC5061}"/>
+                <a16:creationId xmlns="" xmlns:a16="http://schemas.microsoft.com/office/drawing/2014/main" id="{4E19BB9A-ED09-4B0B-8026-C3AF20FC5061}"/>
               </a:ext>
             </a:extLst>
           </p:cNvPr>
@@ -21576,7 +21576,7 @@
           <p:cNvPr id="32" name="矩形 23">
             <a:extLst>
               <a:ext uri="{FF2B5EF4-FFF2-40B4-BE49-F238E27FC236}">
-                <a16:creationId xmlns:a16="http://schemas.microsoft.com/office/drawing/2014/main" xmlns="" id="{2D063C5E-1C49-42F7-B903-4D7A67B8B0FF}"/>
+                <a16:creationId xmlns="" xmlns:a16="http://schemas.microsoft.com/office/drawing/2014/main" id="{2D063C5E-1C49-42F7-B903-4D7A67B8B0FF}"/>
               </a:ext>
             </a:extLst>
           </p:cNvPr>
@@ -21622,7 +21622,7 @@
           <p:cNvPr id="33" name="矩形 24">
             <a:extLst>
               <a:ext uri="{FF2B5EF4-FFF2-40B4-BE49-F238E27FC236}">
-                <a16:creationId xmlns:a16="http://schemas.microsoft.com/office/drawing/2014/main" xmlns="" id="{B41549FE-8C57-450E-AA3F-E87FE9723C8F}"/>
+                <a16:creationId xmlns="" xmlns:a16="http://schemas.microsoft.com/office/drawing/2014/main" id="{B41549FE-8C57-450E-AA3F-E87FE9723C8F}"/>
               </a:ext>
             </a:extLst>
           </p:cNvPr>
@@ -21668,7 +21668,7 @@
           <p:cNvPr id="34" name="矩形 25">
             <a:extLst>
               <a:ext uri="{FF2B5EF4-FFF2-40B4-BE49-F238E27FC236}">
-                <a16:creationId xmlns:a16="http://schemas.microsoft.com/office/drawing/2014/main" xmlns="" id="{54AF2621-35A4-4E71-94A1-464887B2B4A2}"/>
+                <a16:creationId xmlns="" xmlns:a16="http://schemas.microsoft.com/office/drawing/2014/main" id="{54AF2621-35A4-4E71-94A1-464887B2B4A2}"/>
               </a:ext>
             </a:extLst>
           </p:cNvPr>
@@ -21714,7 +21714,7 @@
           <p:cNvPr id="35" name="矩形 26">
             <a:extLst>
               <a:ext uri="{FF2B5EF4-FFF2-40B4-BE49-F238E27FC236}">
-                <a16:creationId xmlns:a16="http://schemas.microsoft.com/office/drawing/2014/main" xmlns="" id="{9A77A6D3-1FCB-4C96-8773-C326E413D87C}"/>
+                <a16:creationId xmlns="" xmlns:a16="http://schemas.microsoft.com/office/drawing/2014/main" id="{9A77A6D3-1FCB-4C96-8773-C326E413D87C}"/>
               </a:ext>
             </a:extLst>
           </p:cNvPr>
@@ -21760,7 +21760,7 @@
           <p:cNvPr id="36" name="矩形 27">
             <a:extLst>
               <a:ext uri="{FF2B5EF4-FFF2-40B4-BE49-F238E27FC236}">
-                <a16:creationId xmlns:a16="http://schemas.microsoft.com/office/drawing/2014/main" xmlns="" id="{D9920F0F-5C22-47D2-A589-59485C911DF3}"/>
+                <a16:creationId xmlns="" xmlns:a16="http://schemas.microsoft.com/office/drawing/2014/main" id="{D9920F0F-5C22-47D2-A589-59485C911DF3}"/>
               </a:ext>
             </a:extLst>
           </p:cNvPr>
@@ -21806,7 +21806,7 @@
           <p:cNvPr id="37" name="矩形 28">
             <a:extLst>
               <a:ext uri="{FF2B5EF4-FFF2-40B4-BE49-F238E27FC236}">
-                <a16:creationId xmlns:a16="http://schemas.microsoft.com/office/drawing/2014/main" xmlns="" id="{20B9413C-AB79-4F29-B910-30CDCF8EE070}"/>
+                <a16:creationId xmlns="" xmlns:a16="http://schemas.microsoft.com/office/drawing/2014/main" id="{20B9413C-AB79-4F29-B910-30CDCF8EE070}"/>
               </a:ext>
             </a:extLst>
           </p:cNvPr>
@@ -21852,7 +21852,7 @@
           <p:cNvPr id="38" name="矩形 29">
             <a:extLst>
               <a:ext uri="{FF2B5EF4-FFF2-40B4-BE49-F238E27FC236}">
-                <a16:creationId xmlns:a16="http://schemas.microsoft.com/office/drawing/2014/main" xmlns="" id="{0ADCBB57-93E4-4D70-93D3-00EE64FAFD02}"/>
+                <a16:creationId xmlns="" xmlns:a16="http://schemas.microsoft.com/office/drawing/2014/main" id="{0ADCBB57-93E4-4D70-93D3-00EE64FAFD02}"/>
               </a:ext>
             </a:extLst>
           </p:cNvPr>
@@ -21898,7 +21898,7 @@
           <p:cNvPr id="39" name="矩形 30">
             <a:extLst>
               <a:ext uri="{FF2B5EF4-FFF2-40B4-BE49-F238E27FC236}">
-                <a16:creationId xmlns:a16="http://schemas.microsoft.com/office/drawing/2014/main" xmlns="" id="{82422A99-0491-4703-B8E9-D0F2C7C4495B}"/>
+                <a16:creationId xmlns="" xmlns:a16="http://schemas.microsoft.com/office/drawing/2014/main" id="{82422A99-0491-4703-B8E9-D0F2C7C4495B}"/>
               </a:ext>
             </a:extLst>
           </p:cNvPr>
@@ -21944,7 +21944,7 @@
           <p:cNvPr id="40" name="矩形 31">
             <a:extLst>
               <a:ext uri="{FF2B5EF4-FFF2-40B4-BE49-F238E27FC236}">
-                <a16:creationId xmlns:a16="http://schemas.microsoft.com/office/drawing/2014/main" xmlns="" id="{81439ACB-1015-48E7-A623-7BB099815A99}"/>
+                <a16:creationId xmlns="" xmlns:a16="http://schemas.microsoft.com/office/drawing/2014/main" id="{81439ACB-1015-48E7-A623-7BB099815A99}"/>
               </a:ext>
             </a:extLst>
           </p:cNvPr>
@@ -21990,7 +21990,7 @@
           <p:cNvPr id="41" name="矩形 32">
             <a:extLst>
               <a:ext uri="{FF2B5EF4-FFF2-40B4-BE49-F238E27FC236}">
-                <a16:creationId xmlns:a16="http://schemas.microsoft.com/office/drawing/2014/main" xmlns="" id="{4C3C00B2-A2FE-4A68-A7F1-D09870EC5EAE}"/>
+                <a16:creationId xmlns="" xmlns:a16="http://schemas.microsoft.com/office/drawing/2014/main" id="{4C3C00B2-A2FE-4A68-A7F1-D09870EC5EAE}"/>
               </a:ext>
             </a:extLst>
           </p:cNvPr>
@@ -22036,7 +22036,7 @@
           <p:cNvPr id="42" name="矩形 33">
             <a:extLst>
               <a:ext uri="{FF2B5EF4-FFF2-40B4-BE49-F238E27FC236}">
-                <a16:creationId xmlns:a16="http://schemas.microsoft.com/office/drawing/2014/main" xmlns="" id="{A655FF0B-0F4E-4CF8-8E95-B353BE583002}"/>
+                <a16:creationId xmlns="" xmlns:a16="http://schemas.microsoft.com/office/drawing/2014/main" id="{A655FF0B-0F4E-4CF8-8E95-B353BE583002}"/>
               </a:ext>
             </a:extLst>
           </p:cNvPr>
@@ -22082,7 +22082,7 @@
           <p:cNvPr id="43" name="矩形 34">
             <a:extLst>
               <a:ext uri="{FF2B5EF4-FFF2-40B4-BE49-F238E27FC236}">
-                <a16:creationId xmlns:a16="http://schemas.microsoft.com/office/drawing/2014/main" xmlns="" id="{026C61B3-E377-4BE5-AB19-7127E702C0B4}"/>
+                <a16:creationId xmlns="" xmlns:a16="http://schemas.microsoft.com/office/drawing/2014/main" id="{026C61B3-E377-4BE5-AB19-7127E702C0B4}"/>
               </a:ext>
             </a:extLst>
           </p:cNvPr>
@@ -22128,7 +22128,7 @@
           <p:cNvPr id="44" name="矩形 35">
             <a:extLst>
               <a:ext uri="{FF2B5EF4-FFF2-40B4-BE49-F238E27FC236}">
-                <a16:creationId xmlns:a16="http://schemas.microsoft.com/office/drawing/2014/main" xmlns="" id="{2AC1B372-EE35-4840-861D-BE82F205025D}"/>
+                <a16:creationId xmlns="" xmlns:a16="http://schemas.microsoft.com/office/drawing/2014/main" id="{2AC1B372-EE35-4840-861D-BE82F205025D}"/>
               </a:ext>
             </a:extLst>
           </p:cNvPr>
@@ -22184,7 +22184,7 @@
           <p:cNvPr id="45" name="矩形 36">
             <a:extLst>
               <a:ext uri="{FF2B5EF4-FFF2-40B4-BE49-F238E27FC236}">
-                <a16:creationId xmlns:a16="http://schemas.microsoft.com/office/drawing/2014/main" xmlns="" id="{35A14DD6-8EA6-4AAF-B353-5703F0BB4E95}"/>
+                <a16:creationId xmlns="" xmlns:a16="http://schemas.microsoft.com/office/drawing/2014/main" id="{35A14DD6-8EA6-4AAF-B353-5703F0BB4E95}"/>
               </a:ext>
             </a:extLst>
           </p:cNvPr>
@@ -22240,7 +22240,7 @@
           <p:cNvPr id="46" name="矩形 37">
             <a:extLst>
               <a:ext uri="{FF2B5EF4-FFF2-40B4-BE49-F238E27FC236}">
-                <a16:creationId xmlns:a16="http://schemas.microsoft.com/office/drawing/2014/main" xmlns="" id="{49F50169-2948-49D9-A46A-1865555AF54F}"/>
+                <a16:creationId xmlns="" xmlns:a16="http://schemas.microsoft.com/office/drawing/2014/main" id="{49F50169-2948-49D9-A46A-1865555AF54F}"/>
               </a:ext>
             </a:extLst>
           </p:cNvPr>
@@ -22296,7 +22296,7 @@
           <p:cNvPr id="47" name="矩形 38">
             <a:extLst>
               <a:ext uri="{FF2B5EF4-FFF2-40B4-BE49-F238E27FC236}">
-                <a16:creationId xmlns:a16="http://schemas.microsoft.com/office/drawing/2014/main" xmlns="" id="{35E98B9B-E19F-46C6-902F-5B0910146438}"/>
+                <a16:creationId xmlns="" xmlns:a16="http://schemas.microsoft.com/office/drawing/2014/main" id="{35E98B9B-E19F-46C6-902F-5B0910146438}"/>
               </a:ext>
             </a:extLst>
           </p:cNvPr>
@@ -22352,7 +22352,7 @@
           <p:cNvPr id="48" name="矩形 39">
             <a:extLst>
               <a:ext uri="{FF2B5EF4-FFF2-40B4-BE49-F238E27FC236}">
-                <a16:creationId xmlns:a16="http://schemas.microsoft.com/office/drawing/2014/main" xmlns="" id="{6B961347-0A56-4F22-83B5-E2392DF74426}"/>
+                <a16:creationId xmlns="" xmlns:a16="http://schemas.microsoft.com/office/drawing/2014/main" id="{6B961347-0A56-4F22-83B5-E2392DF74426}"/>
               </a:ext>
             </a:extLst>
           </p:cNvPr>
@@ -22408,7 +22408,7 @@
           <p:cNvPr id="49" name="矩形 40">
             <a:extLst>
               <a:ext uri="{FF2B5EF4-FFF2-40B4-BE49-F238E27FC236}">
-                <a16:creationId xmlns:a16="http://schemas.microsoft.com/office/drawing/2014/main" xmlns="" id="{372E2FCD-8F27-4BAD-9FC0-31B82DF9B794}"/>
+                <a16:creationId xmlns="" xmlns:a16="http://schemas.microsoft.com/office/drawing/2014/main" id="{372E2FCD-8F27-4BAD-9FC0-31B82DF9B794}"/>
               </a:ext>
             </a:extLst>
           </p:cNvPr>
@@ -22464,7 +22464,7 @@
           <p:cNvPr id="50" name="矩形 41">
             <a:extLst>
               <a:ext uri="{FF2B5EF4-FFF2-40B4-BE49-F238E27FC236}">
-                <a16:creationId xmlns:a16="http://schemas.microsoft.com/office/drawing/2014/main" xmlns="" id="{492AC115-CEF2-416A-ADD8-9FA7E253EA9E}"/>
+                <a16:creationId xmlns="" xmlns:a16="http://schemas.microsoft.com/office/drawing/2014/main" id="{492AC115-CEF2-416A-ADD8-9FA7E253EA9E}"/>
               </a:ext>
             </a:extLst>
           </p:cNvPr>
@@ -22520,7 +22520,7 @@
           <p:cNvPr id="51" name="矩形 42">
             <a:extLst>
               <a:ext uri="{FF2B5EF4-FFF2-40B4-BE49-F238E27FC236}">
-                <a16:creationId xmlns:a16="http://schemas.microsoft.com/office/drawing/2014/main" xmlns="" id="{D553AD1B-0A86-4AAC-B896-9A795CAD42B8}"/>
+                <a16:creationId xmlns="" xmlns:a16="http://schemas.microsoft.com/office/drawing/2014/main" id="{D553AD1B-0A86-4AAC-B896-9A795CAD42B8}"/>
               </a:ext>
             </a:extLst>
           </p:cNvPr>
@@ -22576,7 +22576,7 @@
           <p:cNvPr id="52" name="矩形 43">
             <a:extLst>
               <a:ext uri="{FF2B5EF4-FFF2-40B4-BE49-F238E27FC236}">
-                <a16:creationId xmlns:a16="http://schemas.microsoft.com/office/drawing/2014/main" xmlns="" id="{DA54B3A4-DB02-4A8A-AA0D-12E61119B073}"/>
+                <a16:creationId xmlns="" xmlns:a16="http://schemas.microsoft.com/office/drawing/2014/main" id="{DA54B3A4-DB02-4A8A-AA0D-12E61119B073}"/>
               </a:ext>
             </a:extLst>
           </p:cNvPr>
@@ -22632,7 +22632,7 @@
           <p:cNvPr id="53" name="矩形 44">
             <a:extLst>
               <a:ext uri="{FF2B5EF4-FFF2-40B4-BE49-F238E27FC236}">
-                <a16:creationId xmlns:a16="http://schemas.microsoft.com/office/drawing/2014/main" xmlns="" id="{FE8A8F6A-7E1F-450B-BA07-18C301CDC769}"/>
+                <a16:creationId xmlns="" xmlns:a16="http://schemas.microsoft.com/office/drawing/2014/main" id="{FE8A8F6A-7E1F-450B-BA07-18C301CDC769}"/>
               </a:ext>
             </a:extLst>
           </p:cNvPr>
@@ -22688,7 +22688,7 @@
           <p:cNvPr id="54" name="矩形 45">
             <a:extLst>
               <a:ext uri="{FF2B5EF4-FFF2-40B4-BE49-F238E27FC236}">
-                <a16:creationId xmlns:a16="http://schemas.microsoft.com/office/drawing/2014/main" xmlns="" id="{D22293DA-2F95-4B36-9F92-AE6E9A32F136}"/>
+                <a16:creationId xmlns="" xmlns:a16="http://schemas.microsoft.com/office/drawing/2014/main" id="{D22293DA-2F95-4B36-9F92-AE6E9A32F136}"/>
               </a:ext>
             </a:extLst>
           </p:cNvPr>
@@ -22744,7 +22744,7 @@
           <p:cNvPr id="55" name="直線接點 84">
             <a:extLst>
               <a:ext uri="{FF2B5EF4-FFF2-40B4-BE49-F238E27FC236}">
-                <a16:creationId xmlns:a16="http://schemas.microsoft.com/office/drawing/2014/main" xmlns="" id="{559DD573-1F05-4FA8-86B5-5FB0416E7FEB}"/>
+                <a16:creationId xmlns="" xmlns:a16="http://schemas.microsoft.com/office/drawing/2014/main" id="{559DD573-1F05-4FA8-86B5-5FB0416E7FEB}"/>
               </a:ext>
             </a:extLst>
           </p:cNvPr>
@@ -22783,7 +22783,7 @@
           <p:cNvPr id="56" name="直線接點 85">
             <a:extLst>
               <a:ext uri="{FF2B5EF4-FFF2-40B4-BE49-F238E27FC236}">
-                <a16:creationId xmlns:a16="http://schemas.microsoft.com/office/drawing/2014/main" xmlns="" id="{709971C5-F9D2-4E72-A116-222A7651DDC9}"/>
+                <a16:creationId xmlns="" xmlns:a16="http://schemas.microsoft.com/office/drawing/2014/main" id="{709971C5-F9D2-4E72-A116-222A7651DDC9}"/>
               </a:ext>
             </a:extLst>
           </p:cNvPr>
@@ -22822,7 +22822,7 @@
           <p:cNvPr id="57" name="矩形 86">
             <a:extLst>
               <a:ext uri="{FF2B5EF4-FFF2-40B4-BE49-F238E27FC236}">
-                <a16:creationId xmlns:a16="http://schemas.microsoft.com/office/drawing/2014/main" xmlns="" id="{344DC154-B67B-4C63-81FD-6AC933544B16}"/>
+                <a16:creationId xmlns="" xmlns:a16="http://schemas.microsoft.com/office/drawing/2014/main" id="{344DC154-B67B-4C63-81FD-6AC933544B16}"/>
               </a:ext>
             </a:extLst>
           </p:cNvPr>
@@ -22886,7 +22886,7 @@
           <p:cNvPr id="58" name="矩形 87">
             <a:extLst>
               <a:ext uri="{FF2B5EF4-FFF2-40B4-BE49-F238E27FC236}">
-                <a16:creationId xmlns:a16="http://schemas.microsoft.com/office/drawing/2014/main" xmlns="" id="{E4343785-AFA2-4A5A-9C0D-59EB28A17A6F}"/>
+                <a16:creationId xmlns="" xmlns:a16="http://schemas.microsoft.com/office/drawing/2014/main" id="{E4343785-AFA2-4A5A-9C0D-59EB28A17A6F}"/>
               </a:ext>
             </a:extLst>
           </p:cNvPr>
@@ -22950,7 +22950,7 @@
           <p:cNvPr id="59" name="矩形 88">
             <a:extLst>
               <a:ext uri="{FF2B5EF4-FFF2-40B4-BE49-F238E27FC236}">
-                <a16:creationId xmlns:a16="http://schemas.microsoft.com/office/drawing/2014/main" xmlns="" id="{198AD64F-9B32-40D7-83C4-3C9C3C24DE62}"/>
+                <a16:creationId xmlns="" xmlns:a16="http://schemas.microsoft.com/office/drawing/2014/main" id="{198AD64F-9B32-40D7-83C4-3C9C3C24DE62}"/>
               </a:ext>
             </a:extLst>
           </p:cNvPr>
@@ -23014,7 +23014,7 @@
           <p:cNvPr id="60" name="直線單箭頭接點 89">
             <a:extLst>
               <a:ext uri="{FF2B5EF4-FFF2-40B4-BE49-F238E27FC236}">
-                <a16:creationId xmlns:a16="http://schemas.microsoft.com/office/drawing/2014/main" xmlns="" id="{8CF3259E-69AB-4B44-8FA7-7138C77E8B8D}"/>
+                <a16:creationId xmlns="" xmlns:a16="http://schemas.microsoft.com/office/drawing/2014/main" id="{8CF3259E-69AB-4B44-8FA7-7138C77E8B8D}"/>
               </a:ext>
             </a:extLst>
           </p:cNvPr>
@@ -23058,7 +23058,7 @@
           <p:cNvPr id="61" name="文字方塊 90">
             <a:extLst>
               <a:ext uri="{FF2B5EF4-FFF2-40B4-BE49-F238E27FC236}">
-                <a16:creationId xmlns:a16="http://schemas.microsoft.com/office/drawing/2014/main" xmlns="" id="{DB17F921-9FA7-46CB-B1EA-3FA738DAE2EB}"/>
+                <a16:creationId xmlns="" xmlns:a16="http://schemas.microsoft.com/office/drawing/2014/main" id="{DB17F921-9FA7-46CB-B1EA-3FA738DAE2EB}"/>
               </a:ext>
             </a:extLst>
           </p:cNvPr>
@@ -23103,7 +23103,7 @@
           <p:cNvPr id="62" name="直線接點 92">
             <a:extLst>
               <a:ext uri="{FF2B5EF4-FFF2-40B4-BE49-F238E27FC236}">
-                <a16:creationId xmlns:a16="http://schemas.microsoft.com/office/drawing/2014/main" xmlns="" id="{5B4B3F9A-452D-4691-8079-262B0AEE3737}"/>
+                <a16:creationId xmlns="" xmlns:a16="http://schemas.microsoft.com/office/drawing/2014/main" id="{5B4B3F9A-452D-4691-8079-262B0AEE3737}"/>
               </a:ext>
             </a:extLst>
           </p:cNvPr>
@@ -23147,7 +23147,7 @@
           <p:cNvPr id="63" name="文字方塊 93">
             <a:extLst>
               <a:ext uri="{FF2B5EF4-FFF2-40B4-BE49-F238E27FC236}">
-                <a16:creationId xmlns:a16="http://schemas.microsoft.com/office/drawing/2014/main" xmlns="" id="{D4B91F46-402D-47E4-AD39-32A418FA9986}"/>
+                <a16:creationId xmlns="" xmlns:a16="http://schemas.microsoft.com/office/drawing/2014/main" id="{D4B91F46-402D-47E4-AD39-32A418FA9986}"/>
               </a:ext>
             </a:extLst>
           </p:cNvPr>
@@ -23195,7 +23195,7 @@
           <p:cNvPr id="64" name="文字方塊 94">
             <a:extLst>
               <a:ext uri="{FF2B5EF4-FFF2-40B4-BE49-F238E27FC236}">
-                <a16:creationId xmlns:a16="http://schemas.microsoft.com/office/drawing/2014/main" xmlns="" id="{8D9F97CD-72D0-4018-9B83-E767232466AD}"/>
+                <a16:creationId xmlns="" xmlns:a16="http://schemas.microsoft.com/office/drawing/2014/main" id="{8D9F97CD-72D0-4018-9B83-E767232466AD}"/>
               </a:ext>
             </a:extLst>
           </p:cNvPr>
@@ -23243,7 +23243,7 @@
           <p:cNvPr id="4" name="TextBox 3">
             <a:extLst>
               <a:ext uri="{FF2B5EF4-FFF2-40B4-BE49-F238E27FC236}">
-                <a16:creationId xmlns:a16="http://schemas.microsoft.com/office/drawing/2014/main" xmlns="" id="{A3F2674A-CD87-473E-957F-81AA68777226}"/>
+                <a16:creationId xmlns="" xmlns:a16="http://schemas.microsoft.com/office/drawing/2014/main" id="{A3F2674A-CD87-473E-957F-81AA68777226}"/>
               </a:ext>
             </a:extLst>
           </p:cNvPr>
@@ -23278,7 +23278,7 @@
           <p:cNvPr id="66" name="矩形 23">
             <a:extLst>
               <a:ext uri="{FF2B5EF4-FFF2-40B4-BE49-F238E27FC236}">
-                <a16:creationId xmlns:a16="http://schemas.microsoft.com/office/drawing/2014/main" xmlns="" id="{9A1FE9CE-4DDA-4C7E-AC5F-E3F31180A0EC}"/>
+                <a16:creationId xmlns="" xmlns:a16="http://schemas.microsoft.com/office/drawing/2014/main" id="{9A1FE9CE-4DDA-4C7E-AC5F-E3F31180A0EC}"/>
               </a:ext>
             </a:extLst>
           </p:cNvPr>
@@ -23330,7 +23330,7 @@
           <p:cNvPr id="67" name="矩形 38">
             <a:extLst>
               <a:ext uri="{FF2B5EF4-FFF2-40B4-BE49-F238E27FC236}">
-                <a16:creationId xmlns:a16="http://schemas.microsoft.com/office/drawing/2014/main" xmlns="" id="{95EEDEAF-39AB-4727-86B8-123680D76B7D}"/>
+                <a16:creationId xmlns="" xmlns:a16="http://schemas.microsoft.com/office/drawing/2014/main" id="{95EEDEAF-39AB-4727-86B8-123680D76B7D}"/>
               </a:ext>
             </a:extLst>
           </p:cNvPr>
@@ -23382,7 +23382,7 @@
           <p:cNvPr id="68" name="直線單箭頭接點 89">
             <a:extLst>
               <a:ext uri="{FF2B5EF4-FFF2-40B4-BE49-F238E27FC236}">
-                <a16:creationId xmlns:a16="http://schemas.microsoft.com/office/drawing/2014/main" xmlns="" id="{21F4ECA8-252D-4B3D-8E20-18F6FBB8EE74}"/>
+                <a16:creationId xmlns="" xmlns:a16="http://schemas.microsoft.com/office/drawing/2014/main" id="{21F4ECA8-252D-4B3D-8E20-18F6FBB8EE74}"/>
               </a:ext>
             </a:extLst>
           </p:cNvPr>
@@ -23426,7 +23426,7 @@
           <p:cNvPr id="69" name="文字方塊 90">
             <a:extLst>
               <a:ext uri="{FF2B5EF4-FFF2-40B4-BE49-F238E27FC236}">
-                <a16:creationId xmlns:a16="http://schemas.microsoft.com/office/drawing/2014/main" xmlns="" id="{3088A0DF-6E37-4617-BFBF-06879165D8A7}"/>
+                <a16:creationId xmlns="" xmlns:a16="http://schemas.microsoft.com/office/drawing/2014/main" id="{3088A0DF-6E37-4617-BFBF-06879165D8A7}"/>
               </a:ext>
             </a:extLst>
           </p:cNvPr>
@@ -23471,7 +23471,7 @@
           <p:cNvPr id="70" name="Picture 69">
             <a:extLst>
               <a:ext uri="{FF2B5EF4-FFF2-40B4-BE49-F238E27FC236}">
-                <a16:creationId xmlns:a16="http://schemas.microsoft.com/office/drawing/2014/main" xmlns="" id="{585A6FF2-7D7B-4F03-B1A6-20E7E0F26375}"/>
+                <a16:creationId xmlns="" xmlns:a16="http://schemas.microsoft.com/office/drawing/2014/main" id="{585A6FF2-7D7B-4F03-B1A6-20E7E0F26375}"/>
               </a:ext>
             </a:extLst>
           </p:cNvPr>
@@ -23501,7 +23501,7 @@
           <p:cNvPr id="2" name="Rectangle 1">
             <a:extLst>
               <a:ext uri="{FF2B5EF4-FFF2-40B4-BE49-F238E27FC236}">
-                <a16:creationId xmlns:a16="http://schemas.microsoft.com/office/drawing/2014/main" xmlns="" id="{5B65B3AF-06A8-4E8E-B65C-285577F310BB}"/>
+                <a16:creationId xmlns="" xmlns:a16="http://schemas.microsoft.com/office/drawing/2014/main" id="{5B65B3AF-06A8-4E8E-B65C-285577F310BB}"/>
               </a:ext>
             </a:extLst>
           </p:cNvPr>
@@ -23933,10 +23933,10 @@
       </p:grpSpPr>
       <p:sp>
         <p:nvSpPr>
-          <p:cNvPr id="65" name="矩形 6">
+          <p:cNvPr id="14" name="矩形 6">
             <a:extLst>
               <a:ext uri="{FF2B5EF4-FFF2-40B4-BE49-F238E27FC236}">
-                <a16:creationId xmlns:a16="http://schemas.microsoft.com/office/drawing/2014/main" xmlns="" id="{F30EEFEF-E1C9-4CE0-A42C-CEE4DF4649C2}"/>
+                <a16:creationId xmlns="" xmlns:a16="http://schemas.microsoft.com/office/drawing/2014/main" id="{7DE92379-763A-4822-8359-E0CFBD7501DB}"/>
               </a:ext>
             </a:extLst>
           </p:cNvPr>
@@ -23945,8 +23945,8 @@
         </p:nvSpPr>
         <p:spPr>
           <a:xfrm>
-            <a:off x="7114746" y="4731077"/>
-            <a:ext cx="1713810" cy="523163"/>
+            <a:off x="7112488" y="5032511"/>
+            <a:ext cx="1713810" cy="221731"/>
           </a:xfrm>
           <a:prstGeom prst="rect">
             <a:avLst/>
@@ -23990,6 +23990,119 @@
       </p:sp>
       <p:sp>
         <p:nvSpPr>
+          <p:cNvPr id="65" name="矩形 6">
+            <a:extLst>
+              <a:ext uri="{FF2B5EF4-FFF2-40B4-BE49-F238E27FC236}">
+                <a16:creationId xmlns="" xmlns:a16="http://schemas.microsoft.com/office/drawing/2014/main" id="{F30EEFEF-E1C9-4CE0-A42C-CEE4DF4649C2}"/>
+              </a:ext>
+            </a:extLst>
+          </p:cNvPr>
+          <p:cNvSpPr/>
+          <p:nvPr/>
+        </p:nvSpPr>
+        <p:spPr>
+          <a:xfrm>
+            <a:off x="7114746" y="4731077"/>
+            <a:ext cx="1713810" cy="523163"/>
+          </a:xfrm>
+          <a:prstGeom prst="rect">
+            <a:avLst/>
+          </a:prstGeom>
+          <a:solidFill>
+            <a:schemeClr val="bg1">
+              <a:lumMod val="75000"/>
+              <a:alpha val="50000"/>
+            </a:schemeClr>
+          </a:solidFill>
+          <a:ln>
+            <a:solidFill>
+              <a:schemeClr val="accent6"/>
+            </a:solidFill>
+          </a:ln>
+        </p:spPr>
+        <p:style>
+          <a:lnRef idx="2">
+            <a:schemeClr val="accent1">
+              <a:shade val="50000"/>
+            </a:schemeClr>
+          </a:lnRef>
+          <a:fillRef idx="1">
+            <a:schemeClr val="accent1"/>
+          </a:fillRef>
+          <a:effectRef idx="0">
+            <a:schemeClr val="accent1"/>
+          </a:effectRef>
+          <a:fontRef idx="minor">
+            <a:schemeClr val="lt1"/>
+          </a:fontRef>
+        </p:style>
+        <p:txBody>
+          <a:bodyPr rtlCol="0" anchor="ctr"/>
+          <a:lstStyle/>
+          <a:p>
+            <a:pPr algn="ctr"/>
+            <a:endParaRPr lang="zh-TW" altLang="en-US"/>
+          </a:p>
+        </p:txBody>
+      </p:sp>
+      <p:sp>
+        <p:nvSpPr>
+          <p:cNvPr id="71" name="矩形 39">
+            <a:extLst>
+              <a:ext uri="{FF2B5EF4-FFF2-40B4-BE49-F238E27FC236}">
+                <a16:creationId xmlns="" xmlns:a16="http://schemas.microsoft.com/office/drawing/2014/main" id="{6B961347-0A56-4F22-83B5-E2392DF74426}"/>
+              </a:ext>
+            </a:extLst>
+          </p:cNvPr>
+          <p:cNvSpPr/>
+          <p:nvPr/>
+        </p:nvSpPr>
+        <p:spPr>
+          <a:xfrm>
+            <a:off x="7733741" y="5094023"/>
+            <a:ext cx="156411" cy="165100"/>
+          </a:xfrm>
+          <a:prstGeom prst="rect">
+            <a:avLst/>
+          </a:prstGeom>
+          <a:solidFill>
+            <a:schemeClr val="accent6"/>
+          </a:solidFill>
+          <a:ln>
+            <a:solidFill>
+              <a:schemeClr val="accent6">
+                <a:lumMod val="75000"/>
+              </a:schemeClr>
+            </a:solidFill>
+          </a:ln>
+        </p:spPr>
+        <p:style>
+          <a:lnRef idx="2">
+            <a:schemeClr val="accent1">
+              <a:shade val="50000"/>
+            </a:schemeClr>
+          </a:lnRef>
+          <a:fillRef idx="1">
+            <a:schemeClr val="accent1"/>
+          </a:fillRef>
+          <a:effectRef idx="0">
+            <a:schemeClr val="accent1"/>
+          </a:effectRef>
+          <a:fontRef idx="minor">
+            <a:schemeClr val="lt1"/>
+          </a:fontRef>
+        </p:style>
+        <p:txBody>
+          <a:bodyPr rtlCol="0" anchor="ctr"/>
+          <a:lstStyle/>
+          <a:p>
+            <a:pPr algn="ctr"/>
+            <a:endParaRPr lang="zh-TW" altLang="en-US"/>
+          </a:p>
+        </p:txBody>
+      </p:sp>
+      <p:sp>
+        <p:nvSpPr>
           <p:cNvPr id="11" name="投影片編號版面配置區 10"/>
           <p:cNvSpPr>
             <a:spLocks noGrp="1"/>
@@ -24168,7 +24281,7 @@
           <p:cNvPr id="10" name="直線接點 5">
             <a:extLst>
               <a:ext uri="{FF2B5EF4-FFF2-40B4-BE49-F238E27FC236}">
-                <a16:creationId xmlns:a16="http://schemas.microsoft.com/office/drawing/2014/main" xmlns="" id="{B2D61799-0B73-49D4-AF2F-218055056139}"/>
+                <a16:creationId xmlns="" xmlns:a16="http://schemas.microsoft.com/office/drawing/2014/main" id="{B2D61799-0B73-49D4-AF2F-218055056139}"/>
               </a:ext>
             </a:extLst>
           </p:cNvPr>
@@ -24209,10 +24322,10 @@
       </p:cxnSp>
       <p:sp>
         <p:nvSpPr>
-          <p:cNvPr id="14" name="矩形 6">
+          <p:cNvPr id="15" name="矩形 7">
             <a:extLst>
               <a:ext uri="{FF2B5EF4-FFF2-40B4-BE49-F238E27FC236}">
-                <a16:creationId xmlns:a16="http://schemas.microsoft.com/office/drawing/2014/main" xmlns="" id="{7DE92379-763A-4822-8359-E0CFBD7501DB}"/>
+                <a16:creationId xmlns="" xmlns:a16="http://schemas.microsoft.com/office/drawing/2014/main" id="{71437978-29E0-48F2-8F37-9B4DA431E428}"/>
               </a:ext>
             </a:extLst>
           </p:cNvPr>
@@ -24221,8 +24334,8 @@
         </p:nvSpPr>
         <p:spPr>
           <a:xfrm>
-            <a:off x="7112488" y="5032511"/>
-            <a:ext cx="1713810" cy="221731"/>
+            <a:off x="5084973" y="3691173"/>
+            <a:ext cx="2022054" cy="1563070"/>
           </a:xfrm>
           <a:prstGeom prst="rect">
             <a:avLst/>
@@ -24235,7 +24348,7 @@
           </a:solidFill>
           <a:ln>
             <a:solidFill>
-              <a:schemeClr val="accent6"/>
+              <a:schemeClr val="accent1"/>
             </a:solidFill>
           </a:ln>
         </p:spPr>
@@ -24266,10 +24379,10 @@
       </p:sp>
       <p:sp>
         <p:nvSpPr>
-          <p:cNvPr id="15" name="矩形 7">
+          <p:cNvPr id="16" name="矩形 8">
             <a:extLst>
               <a:ext uri="{FF2B5EF4-FFF2-40B4-BE49-F238E27FC236}">
-                <a16:creationId xmlns:a16="http://schemas.microsoft.com/office/drawing/2014/main" xmlns="" id="{71437978-29E0-48F2-8F37-9B4DA431E428}"/>
+                <a16:creationId xmlns="" xmlns:a16="http://schemas.microsoft.com/office/drawing/2014/main" id="{D7E22E13-FCD5-4640-ADA0-3B4DF914B2B8}"/>
               </a:ext>
             </a:extLst>
           </p:cNvPr>
@@ -24278,8 +24391,8 @@
         </p:nvSpPr>
         <p:spPr>
           <a:xfrm>
-            <a:off x="5084973" y="3691173"/>
-            <a:ext cx="2022054" cy="1563070"/>
+            <a:off x="3201569" y="4709740"/>
+            <a:ext cx="1873366" cy="549382"/>
           </a:xfrm>
           <a:prstGeom prst="rect">
             <a:avLst/>
@@ -24292,7 +24405,7 @@
           </a:solidFill>
           <a:ln>
             <a:solidFill>
-              <a:schemeClr val="accent1"/>
+              <a:schemeClr val="accent2"/>
             </a:solidFill>
           </a:ln>
         </p:spPr>
@@ -24321,12 +24434,49 @@
           </a:p>
         </p:txBody>
       </p:sp>
-      <p:sp>
-        <p:nvSpPr>
-          <p:cNvPr id="16" name="矩形 8">
+      <p:cxnSp>
+        <p:nvCxnSpPr>
+          <p:cNvPr id="17" name="直線接點 9">
             <a:extLst>
               <a:ext uri="{FF2B5EF4-FFF2-40B4-BE49-F238E27FC236}">
-                <a16:creationId xmlns:a16="http://schemas.microsoft.com/office/drawing/2014/main" xmlns="" id="{D7E22E13-FCD5-4640-ADA0-3B4DF914B2B8}"/>
+                <a16:creationId xmlns="" xmlns:a16="http://schemas.microsoft.com/office/drawing/2014/main" id="{6E076219-64A1-4586-8A67-D622D3972736}"/>
+              </a:ext>
+            </a:extLst>
+          </p:cNvPr>
+          <p:cNvCxnSpPr/>
+          <p:nvPr/>
+        </p:nvCxnSpPr>
+        <p:spPr>
+          <a:xfrm>
+            <a:off x="3017419" y="5259123"/>
+            <a:ext cx="6027420" cy="0"/>
+          </a:xfrm>
+          <a:prstGeom prst="line">
+            <a:avLst/>
+          </a:prstGeom>
+          <a:ln w="19050"/>
+        </p:spPr>
+        <p:style>
+          <a:lnRef idx="1">
+            <a:schemeClr val="accent1"/>
+          </a:lnRef>
+          <a:fillRef idx="0">
+            <a:schemeClr val="accent1"/>
+          </a:fillRef>
+          <a:effectRef idx="0">
+            <a:schemeClr val="accent1"/>
+          </a:effectRef>
+          <a:fontRef idx="minor">
+            <a:schemeClr val="tx1"/>
+          </a:fontRef>
+        </p:style>
+      </p:cxnSp>
+      <p:sp>
+        <p:nvSpPr>
+          <p:cNvPr id="18" name="矩形 10">
+            <a:extLst>
+              <a:ext uri="{FF2B5EF4-FFF2-40B4-BE49-F238E27FC236}">
+                <a16:creationId xmlns="" xmlns:a16="http://schemas.microsoft.com/office/drawing/2014/main" id="{B2C5AE01-E60A-4E64-B66C-883ECB57E1CA}"/>
               </a:ext>
             </a:extLst>
           </p:cNvPr>
@@ -24335,21 +24485,20 @@
         </p:nvSpPr>
         <p:spPr>
           <a:xfrm>
-            <a:off x="3201569" y="4709740"/>
-            <a:ext cx="1873366" cy="549382"/>
+            <a:off x="3201572" y="5138807"/>
+            <a:ext cx="156411" cy="120316"/>
           </a:xfrm>
           <a:prstGeom prst="rect">
             <a:avLst/>
           </a:prstGeom>
           <a:solidFill>
-            <a:schemeClr val="bg1">
-              <a:lumMod val="75000"/>
-              <a:alpha val="50000"/>
-            </a:schemeClr>
+            <a:schemeClr val="accent2"/>
           </a:solidFill>
           <a:ln>
             <a:solidFill>
-              <a:schemeClr val="accent2"/>
+              <a:schemeClr val="accent2">
+                <a:lumMod val="75000"/>
+              </a:schemeClr>
             </a:solidFill>
           </a:ln>
         </p:spPr>
@@ -24374,53 +24523,20 @@
           <a:lstStyle/>
           <a:p>
             <a:pPr algn="ctr"/>
-            <a:endParaRPr lang="zh-TW" altLang="en-US"/>
-          </a:p>
-        </p:txBody>
-      </p:sp>
-      <p:cxnSp>
-        <p:nvCxnSpPr>
-          <p:cNvPr id="17" name="直線接點 9">
+            <a:endParaRPr lang="zh-TW" altLang="en-US">
+              <a:solidFill>
+                <a:srgbClr val="FF0000"/>
+              </a:solidFill>
+            </a:endParaRPr>
+          </a:p>
+        </p:txBody>
+      </p:sp>
+      <p:sp>
+        <p:nvSpPr>
+          <p:cNvPr id="19" name="矩形 11">
             <a:extLst>
               <a:ext uri="{FF2B5EF4-FFF2-40B4-BE49-F238E27FC236}">
-                <a16:creationId xmlns:a16="http://schemas.microsoft.com/office/drawing/2014/main" xmlns="" id="{6E076219-64A1-4586-8A67-D622D3972736}"/>
-              </a:ext>
-            </a:extLst>
-          </p:cNvPr>
-          <p:cNvCxnSpPr/>
-          <p:nvPr/>
-        </p:nvCxnSpPr>
-        <p:spPr>
-          <a:xfrm>
-            <a:off x="3017419" y="5259123"/>
-            <a:ext cx="6027420" cy="0"/>
-          </a:xfrm>
-          <a:prstGeom prst="line">
-            <a:avLst/>
-          </a:prstGeom>
-          <a:ln w="19050"/>
-        </p:spPr>
-        <p:style>
-          <a:lnRef idx="1">
-            <a:schemeClr val="accent1"/>
-          </a:lnRef>
-          <a:fillRef idx="0">
-            <a:schemeClr val="accent1"/>
-          </a:fillRef>
-          <a:effectRef idx="0">
-            <a:schemeClr val="accent1"/>
-          </a:effectRef>
-          <a:fontRef idx="minor">
-            <a:schemeClr val="tx1"/>
-          </a:fontRef>
-        </p:style>
-      </p:cxnSp>
-      <p:sp>
-        <p:nvSpPr>
-          <p:cNvPr id="18" name="矩形 10">
-            <a:extLst>
-              <a:ext uri="{FF2B5EF4-FFF2-40B4-BE49-F238E27FC236}">
-                <a16:creationId xmlns:a16="http://schemas.microsoft.com/office/drawing/2014/main" xmlns="" id="{B2C5AE01-E60A-4E64-B66C-883ECB57E1CA}"/>
+                <a16:creationId xmlns="" xmlns:a16="http://schemas.microsoft.com/office/drawing/2014/main" id="{08376A85-7533-4339-952C-88F321104613}"/>
               </a:ext>
             </a:extLst>
           </p:cNvPr>
@@ -24429,8 +24545,8 @@
         </p:nvSpPr>
         <p:spPr>
           <a:xfrm>
-            <a:off x="3201572" y="5138807"/>
-            <a:ext cx="156411" cy="120316"/>
+            <a:off x="3357983" y="5197211"/>
+            <a:ext cx="156411" cy="61912"/>
           </a:xfrm>
           <a:prstGeom prst="rect">
             <a:avLst/>
@@ -24477,10 +24593,10 @@
       </p:sp>
       <p:sp>
         <p:nvSpPr>
-          <p:cNvPr id="19" name="矩形 11">
+          <p:cNvPr id="20" name="矩形 12">
             <a:extLst>
               <a:ext uri="{FF2B5EF4-FFF2-40B4-BE49-F238E27FC236}">
-                <a16:creationId xmlns:a16="http://schemas.microsoft.com/office/drawing/2014/main" xmlns="" id="{08376A85-7533-4339-952C-88F321104613}"/>
+                <a16:creationId xmlns="" xmlns:a16="http://schemas.microsoft.com/office/drawing/2014/main" id="{1C7C9711-81C8-41FE-90C5-C9ADF32A4537}"/>
               </a:ext>
             </a:extLst>
           </p:cNvPr>
@@ -24489,8 +24605,8 @@
         </p:nvSpPr>
         <p:spPr>
           <a:xfrm>
-            <a:off x="3357983" y="5197211"/>
-            <a:ext cx="156411" cy="61912"/>
+            <a:off x="3514394" y="5167048"/>
+            <a:ext cx="156411" cy="92074"/>
           </a:xfrm>
           <a:prstGeom prst="rect">
             <a:avLst/>
@@ -24537,10 +24653,10 @@
       </p:sp>
       <p:sp>
         <p:nvSpPr>
-          <p:cNvPr id="20" name="矩形 12">
+          <p:cNvPr id="22" name="矩形 13">
             <a:extLst>
               <a:ext uri="{FF2B5EF4-FFF2-40B4-BE49-F238E27FC236}">
-                <a16:creationId xmlns:a16="http://schemas.microsoft.com/office/drawing/2014/main" xmlns="" id="{1C7C9711-81C8-41FE-90C5-C9ADF32A4537}"/>
+                <a16:creationId xmlns="" xmlns:a16="http://schemas.microsoft.com/office/drawing/2014/main" id="{2A388D1E-4D51-4133-9D01-1AA5E3CF61F6}"/>
               </a:ext>
             </a:extLst>
           </p:cNvPr>
@@ -24549,8 +24665,8 @@
         </p:nvSpPr>
         <p:spPr>
           <a:xfrm>
-            <a:off x="3514394" y="5167048"/>
-            <a:ext cx="156411" cy="92074"/>
+            <a:off x="3670805" y="5138807"/>
+            <a:ext cx="156411" cy="120316"/>
           </a:xfrm>
           <a:prstGeom prst="rect">
             <a:avLst/>
@@ -24597,10 +24713,10 @@
       </p:sp>
       <p:sp>
         <p:nvSpPr>
-          <p:cNvPr id="22" name="矩形 13">
+          <p:cNvPr id="23" name="矩形 14">
             <a:extLst>
               <a:ext uri="{FF2B5EF4-FFF2-40B4-BE49-F238E27FC236}">
-                <a16:creationId xmlns:a16="http://schemas.microsoft.com/office/drawing/2014/main" xmlns="" id="{2A388D1E-4D51-4133-9D01-1AA5E3CF61F6}"/>
+                <a16:creationId xmlns="" xmlns:a16="http://schemas.microsoft.com/office/drawing/2014/main" id="{5F715C19-D4B3-4735-92FF-2E296ACEC57A}"/>
               </a:ext>
             </a:extLst>
           </p:cNvPr>
@@ -24609,8 +24725,8 @@
         </p:nvSpPr>
         <p:spPr>
           <a:xfrm>
-            <a:off x="3670805" y="5138807"/>
-            <a:ext cx="156411" cy="120316"/>
+            <a:off x="3827216" y="5197211"/>
+            <a:ext cx="156411" cy="61912"/>
           </a:xfrm>
           <a:prstGeom prst="rect">
             <a:avLst/>
@@ -24657,10 +24773,10 @@
       </p:sp>
       <p:sp>
         <p:nvSpPr>
-          <p:cNvPr id="23" name="矩形 14">
+          <p:cNvPr id="24" name="矩形 15">
             <a:extLst>
               <a:ext uri="{FF2B5EF4-FFF2-40B4-BE49-F238E27FC236}">
-                <a16:creationId xmlns:a16="http://schemas.microsoft.com/office/drawing/2014/main" xmlns="" id="{5F715C19-D4B3-4735-92FF-2E296ACEC57A}"/>
+                <a16:creationId xmlns="" xmlns:a16="http://schemas.microsoft.com/office/drawing/2014/main" id="{69F2C598-2F1A-446E-92B0-8AEF40D712E6}"/>
               </a:ext>
             </a:extLst>
           </p:cNvPr>
@@ -24669,8 +24785,8 @@
         </p:nvSpPr>
         <p:spPr>
           <a:xfrm>
-            <a:off x="3827216" y="5197211"/>
-            <a:ext cx="156411" cy="61912"/>
+            <a:off x="3983627" y="5094023"/>
+            <a:ext cx="156411" cy="165100"/>
           </a:xfrm>
           <a:prstGeom prst="rect">
             <a:avLst/>
@@ -24717,10 +24833,10 @@
       </p:sp>
       <p:sp>
         <p:nvSpPr>
-          <p:cNvPr id="24" name="矩形 15">
+          <p:cNvPr id="25" name="矩形 16">
             <a:extLst>
               <a:ext uri="{FF2B5EF4-FFF2-40B4-BE49-F238E27FC236}">
-                <a16:creationId xmlns:a16="http://schemas.microsoft.com/office/drawing/2014/main" xmlns="" id="{69F2C598-2F1A-446E-92B0-8AEF40D712E6}"/>
+                <a16:creationId xmlns="" xmlns:a16="http://schemas.microsoft.com/office/drawing/2014/main" id="{E4784F9C-4B6A-483E-8FCE-9992E5B12964}"/>
               </a:ext>
             </a:extLst>
           </p:cNvPr>
@@ -24729,8 +24845,8 @@
         </p:nvSpPr>
         <p:spPr>
           <a:xfrm>
-            <a:off x="3983627" y="5094023"/>
-            <a:ext cx="156411" cy="165100"/>
+            <a:off x="4138788" y="5138807"/>
+            <a:ext cx="156411" cy="120316"/>
           </a:xfrm>
           <a:prstGeom prst="rect">
             <a:avLst/>
@@ -24777,10 +24893,10 @@
       </p:sp>
       <p:sp>
         <p:nvSpPr>
-          <p:cNvPr id="25" name="矩形 16">
+          <p:cNvPr id="26" name="矩形 17">
             <a:extLst>
               <a:ext uri="{FF2B5EF4-FFF2-40B4-BE49-F238E27FC236}">
-                <a16:creationId xmlns:a16="http://schemas.microsoft.com/office/drawing/2014/main" xmlns="" id="{E4784F9C-4B6A-483E-8FCE-9992E5B12964}"/>
+                <a16:creationId xmlns="" xmlns:a16="http://schemas.microsoft.com/office/drawing/2014/main" id="{969C382C-DC4B-4F1A-A6E3-18BCA2C14377}"/>
               </a:ext>
             </a:extLst>
           </p:cNvPr>
@@ -24789,8 +24905,8 @@
         </p:nvSpPr>
         <p:spPr>
           <a:xfrm>
-            <a:off x="4138788" y="5138807"/>
-            <a:ext cx="156411" cy="120316"/>
+            <a:off x="4295199" y="5011473"/>
+            <a:ext cx="156411" cy="247650"/>
           </a:xfrm>
           <a:prstGeom prst="rect">
             <a:avLst/>
@@ -24837,10 +24953,10 @@
       </p:sp>
       <p:sp>
         <p:nvSpPr>
-          <p:cNvPr id="26" name="矩形 17">
+          <p:cNvPr id="27" name="矩形 18">
             <a:extLst>
               <a:ext uri="{FF2B5EF4-FFF2-40B4-BE49-F238E27FC236}">
-                <a16:creationId xmlns:a16="http://schemas.microsoft.com/office/drawing/2014/main" xmlns="" id="{969C382C-DC4B-4F1A-A6E3-18BCA2C14377}"/>
+                <a16:creationId xmlns="" xmlns:a16="http://schemas.microsoft.com/office/drawing/2014/main" id="{B4650ACA-F1FD-4222-B3D9-0212D5AA5F3E}"/>
               </a:ext>
             </a:extLst>
           </p:cNvPr>
@@ -24849,8 +24965,8 @@
         </p:nvSpPr>
         <p:spPr>
           <a:xfrm>
-            <a:off x="4295199" y="5011473"/>
-            <a:ext cx="156411" cy="247650"/>
+            <a:off x="4451610" y="5213403"/>
+            <a:ext cx="156411" cy="45723"/>
           </a:xfrm>
           <a:prstGeom prst="rect">
             <a:avLst/>
@@ -24897,10 +25013,10 @@
       </p:sp>
       <p:sp>
         <p:nvSpPr>
-          <p:cNvPr id="27" name="矩形 18">
+          <p:cNvPr id="28" name="矩形 19">
             <a:extLst>
               <a:ext uri="{FF2B5EF4-FFF2-40B4-BE49-F238E27FC236}">
-                <a16:creationId xmlns:a16="http://schemas.microsoft.com/office/drawing/2014/main" xmlns="" id="{B4650ACA-F1FD-4222-B3D9-0212D5AA5F3E}"/>
+                <a16:creationId xmlns="" xmlns:a16="http://schemas.microsoft.com/office/drawing/2014/main" id="{F9DE498C-8A8D-4E84-BB8B-3F60FCBF371A}"/>
               </a:ext>
             </a:extLst>
           </p:cNvPr>
@@ -24909,8 +25025,8 @@
         </p:nvSpPr>
         <p:spPr>
           <a:xfrm>
-            <a:off x="4451610" y="5213403"/>
-            <a:ext cx="156411" cy="45723"/>
+            <a:off x="4608021" y="5138807"/>
+            <a:ext cx="156411" cy="120316"/>
           </a:xfrm>
           <a:prstGeom prst="rect">
             <a:avLst/>
@@ -24957,10 +25073,10 @@
       </p:sp>
       <p:sp>
         <p:nvSpPr>
-          <p:cNvPr id="28" name="矩形 19">
+          <p:cNvPr id="29" name="矩形 20">
             <a:extLst>
               <a:ext uri="{FF2B5EF4-FFF2-40B4-BE49-F238E27FC236}">
-                <a16:creationId xmlns:a16="http://schemas.microsoft.com/office/drawing/2014/main" xmlns="" id="{F9DE498C-8A8D-4E84-BB8B-3F60FCBF371A}"/>
+                <a16:creationId xmlns="" xmlns:a16="http://schemas.microsoft.com/office/drawing/2014/main" id="{51CA1322-01F1-4B25-94CF-E49B0ED02291}"/>
               </a:ext>
             </a:extLst>
           </p:cNvPr>
@@ -24969,8 +25085,8 @@
         </p:nvSpPr>
         <p:spPr>
           <a:xfrm>
-            <a:off x="4608021" y="5138807"/>
-            <a:ext cx="156411" cy="120316"/>
+            <a:off x="4764432" y="5213403"/>
+            <a:ext cx="156411" cy="45723"/>
           </a:xfrm>
           <a:prstGeom prst="rect">
             <a:avLst/>
@@ -25017,10 +25133,10 @@
       </p:sp>
       <p:sp>
         <p:nvSpPr>
-          <p:cNvPr id="29" name="矩形 20">
+          <p:cNvPr id="30" name="矩形 21">
             <a:extLst>
               <a:ext uri="{FF2B5EF4-FFF2-40B4-BE49-F238E27FC236}">
-                <a16:creationId xmlns:a16="http://schemas.microsoft.com/office/drawing/2014/main" xmlns="" id="{51CA1322-01F1-4B25-94CF-E49B0ED02291}"/>
+                <a16:creationId xmlns="" xmlns:a16="http://schemas.microsoft.com/office/drawing/2014/main" id="{164A04F1-1796-4E10-8535-577944D9174D}"/>
               </a:ext>
             </a:extLst>
           </p:cNvPr>
@@ -25029,8 +25145,8 @@
         </p:nvSpPr>
         <p:spPr>
           <a:xfrm>
-            <a:off x="4764432" y="5213403"/>
-            <a:ext cx="156411" cy="45723"/>
+            <a:off x="4920843" y="5094023"/>
+            <a:ext cx="156411" cy="165100"/>
           </a:xfrm>
           <a:prstGeom prst="rect">
             <a:avLst/>
@@ -25077,10 +25193,10 @@
       </p:sp>
       <p:sp>
         <p:nvSpPr>
-          <p:cNvPr id="30" name="矩形 21">
+          <p:cNvPr id="31" name="矩形 22">
             <a:extLst>
               <a:ext uri="{FF2B5EF4-FFF2-40B4-BE49-F238E27FC236}">
-                <a16:creationId xmlns:a16="http://schemas.microsoft.com/office/drawing/2014/main" xmlns="" id="{164A04F1-1796-4E10-8535-577944D9174D}"/>
+                <a16:creationId xmlns="" xmlns:a16="http://schemas.microsoft.com/office/drawing/2014/main" id="{4E19BB9A-ED09-4B0B-8026-C3AF20FC5061}"/>
               </a:ext>
             </a:extLst>
           </p:cNvPr>
@@ -25089,22 +25205,12 @@
         </p:nvSpPr>
         <p:spPr>
           <a:xfrm>
-            <a:off x="4920843" y="5094023"/>
-            <a:ext cx="156411" cy="165100"/>
+            <a:off x="5077254" y="5138807"/>
+            <a:ext cx="156411" cy="120316"/>
           </a:xfrm>
           <a:prstGeom prst="rect">
             <a:avLst/>
           </a:prstGeom>
-          <a:solidFill>
-            <a:schemeClr val="accent2"/>
-          </a:solidFill>
-          <a:ln>
-            <a:solidFill>
-              <a:schemeClr val="accent2">
-                <a:lumMod val="75000"/>
-              </a:schemeClr>
-            </a:solidFill>
-          </a:ln>
         </p:spPr>
         <p:style>
           <a:lnRef idx="2">
@@ -25127,20 +25233,16 @@
           <a:lstStyle/>
           <a:p>
             <a:pPr algn="ctr"/>
-            <a:endParaRPr lang="zh-TW" altLang="en-US">
-              <a:solidFill>
-                <a:srgbClr val="FF0000"/>
-              </a:solidFill>
-            </a:endParaRPr>
-          </a:p>
-        </p:txBody>
-      </p:sp>
-      <p:sp>
-        <p:nvSpPr>
-          <p:cNvPr id="31" name="矩形 22">
+            <a:endParaRPr lang="zh-TW" altLang="en-US"/>
+          </a:p>
+        </p:txBody>
+      </p:sp>
+      <p:sp>
+        <p:nvSpPr>
+          <p:cNvPr id="32" name="矩形 23">
             <a:extLst>
               <a:ext uri="{FF2B5EF4-FFF2-40B4-BE49-F238E27FC236}">
-                <a16:creationId xmlns:a16="http://schemas.microsoft.com/office/drawing/2014/main" xmlns="" id="{4E19BB9A-ED09-4B0B-8026-C3AF20FC5061}"/>
+                <a16:creationId xmlns="" xmlns:a16="http://schemas.microsoft.com/office/drawing/2014/main" id="{2D063C5E-1C49-42F7-B903-4D7A67B8B0FF}"/>
               </a:ext>
             </a:extLst>
           </p:cNvPr>
@@ -25149,8 +25251,8 @@
         </p:nvSpPr>
         <p:spPr>
           <a:xfrm>
-            <a:off x="5077254" y="5138807"/>
-            <a:ext cx="156411" cy="120316"/>
+            <a:off x="5233665" y="4251806"/>
+            <a:ext cx="156411" cy="1008152"/>
           </a:xfrm>
           <a:prstGeom prst="rect">
             <a:avLst/>
@@ -25183,10 +25285,10 @@
       </p:sp>
       <p:sp>
         <p:nvSpPr>
-          <p:cNvPr id="32" name="矩形 23">
+          <p:cNvPr id="33" name="矩形 24">
             <a:extLst>
               <a:ext uri="{FF2B5EF4-FFF2-40B4-BE49-F238E27FC236}">
-                <a16:creationId xmlns:a16="http://schemas.microsoft.com/office/drawing/2014/main" xmlns="" id="{2D063C5E-1C49-42F7-B903-4D7A67B8B0FF}"/>
+                <a16:creationId xmlns="" xmlns:a16="http://schemas.microsoft.com/office/drawing/2014/main" id="{B41549FE-8C57-450E-AA3F-E87FE9723C8F}"/>
               </a:ext>
             </a:extLst>
           </p:cNvPr>
@@ -25195,8 +25297,8 @@
         </p:nvSpPr>
         <p:spPr>
           <a:xfrm>
-            <a:off x="5233665" y="4251806"/>
-            <a:ext cx="156411" cy="1008152"/>
+            <a:off x="5390076" y="5094023"/>
+            <a:ext cx="156411" cy="165100"/>
           </a:xfrm>
           <a:prstGeom prst="rect">
             <a:avLst/>
@@ -25229,10 +25331,10 @@
       </p:sp>
       <p:sp>
         <p:nvSpPr>
-          <p:cNvPr id="33" name="矩形 24">
+          <p:cNvPr id="34" name="矩形 25">
             <a:extLst>
               <a:ext uri="{FF2B5EF4-FFF2-40B4-BE49-F238E27FC236}">
-                <a16:creationId xmlns:a16="http://schemas.microsoft.com/office/drawing/2014/main" xmlns="" id="{B41549FE-8C57-450E-AA3F-E87FE9723C8F}"/>
+                <a16:creationId xmlns="" xmlns:a16="http://schemas.microsoft.com/office/drawing/2014/main" id="{54AF2621-35A4-4E71-94A1-464887B2B4A2}"/>
               </a:ext>
             </a:extLst>
           </p:cNvPr>
@@ -25241,8 +25343,8 @@
         </p:nvSpPr>
         <p:spPr>
           <a:xfrm>
-            <a:off x="5390076" y="5094023"/>
-            <a:ext cx="156411" cy="165100"/>
+            <a:off x="5546487" y="5138807"/>
+            <a:ext cx="156411" cy="120316"/>
           </a:xfrm>
           <a:prstGeom prst="rect">
             <a:avLst/>
@@ -25275,10 +25377,10 @@
       </p:sp>
       <p:sp>
         <p:nvSpPr>
-          <p:cNvPr id="34" name="矩形 25">
+          <p:cNvPr id="35" name="矩形 26">
             <a:extLst>
               <a:ext uri="{FF2B5EF4-FFF2-40B4-BE49-F238E27FC236}">
-                <a16:creationId xmlns:a16="http://schemas.microsoft.com/office/drawing/2014/main" xmlns="" id="{54AF2621-35A4-4E71-94A1-464887B2B4A2}"/>
+                <a16:creationId xmlns="" xmlns:a16="http://schemas.microsoft.com/office/drawing/2014/main" id="{9A77A6D3-1FCB-4C96-8773-C326E413D87C}"/>
               </a:ext>
             </a:extLst>
           </p:cNvPr>
@@ -25287,8 +25389,8 @@
         </p:nvSpPr>
         <p:spPr>
           <a:xfrm>
-            <a:off x="5546487" y="5138807"/>
-            <a:ext cx="156411" cy="120316"/>
+            <a:off x="5702898" y="5213406"/>
+            <a:ext cx="156411" cy="45719"/>
           </a:xfrm>
           <a:prstGeom prst="rect">
             <a:avLst/>
@@ -25321,10 +25423,10 @@
       </p:sp>
       <p:sp>
         <p:nvSpPr>
-          <p:cNvPr id="35" name="矩形 26">
+          <p:cNvPr id="36" name="矩形 27">
             <a:extLst>
               <a:ext uri="{FF2B5EF4-FFF2-40B4-BE49-F238E27FC236}">
-                <a16:creationId xmlns:a16="http://schemas.microsoft.com/office/drawing/2014/main" xmlns="" id="{9A77A6D3-1FCB-4C96-8773-C326E413D87C}"/>
+                <a16:creationId xmlns="" xmlns:a16="http://schemas.microsoft.com/office/drawing/2014/main" id="{D9920F0F-5C22-47D2-A589-59485C911DF3}"/>
               </a:ext>
             </a:extLst>
           </p:cNvPr>
@@ -25333,8 +25435,8 @@
         </p:nvSpPr>
         <p:spPr>
           <a:xfrm>
-            <a:off x="5702898" y="5213406"/>
-            <a:ext cx="156411" cy="45719"/>
+            <a:off x="5859309" y="5167050"/>
+            <a:ext cx="156411" cy="92075"/>
           </a:xfrm>
           <a:prstGeom prst="rect">
             <a:avLst/>
@@ -25367,10 +25469,10 @@
       </p:sp>
       <p:sp>
         <p:nvSpPr>
-          <p:cNvPr id="36" name="矩形 27">
+          <p:cNvPr id="37" name="矩形 28">
             <a:extLst>
               <a:ext uri="{FF2B5EF4-FFF2-40B4-BE49-F238E27FC236}">
-                <a16:creationId xmlns:a16="http://schemas.microsoft.com/office/drawing/2014/main" xmlns="" id="{D9920F0F-5C22-47D2-A589-59485C911DF3}"/>
+                <a16:creationId xmlns="" xmlns:a16="http://schemas.microsoft.com/office/drawing/2014/main" id="{20B9413C-AB79-4F29-B910-30CDCF8EE070}"/>
               </a:ext>
             </a:extLst>
           </p:cNvPr>
@@ -25379,8 +25481,8 @@
         </p:nvSpPr>
         <p:spPr>
           <a:xfrm>
-            <a:off x="5859309" y="5167050"/>
-            <a:ext cx="156411" cy="92075"/>
+            <a:off x="6014470" y="5138807"/>
+            <a:ext cx="156411" cy="120316"/>
           </a:xfrm>
           <a:prstGeom prst="rect">
             <a:avLst/>
@@ -25413,10 +25515,10 @@
       </p:sp>
       <p:sp>
         <p:nvSpPr>
-          <p:cNvPr id="37" name="矩形 28">
+          <p:cNvPr id="38" name="矩形 29">
             <a:extLst>
               <a:ext uri="{FF2B5EF4-FFF2-40B4-BE49-F238E27FC236}">
-                <a16:creationId xmlns:a16="http://schemas.microsoft.com/office/drawing/2014/main" xmlns="" id="{20B9413C-AB79-4F29-B910-30CDCF8EE070}"/>
+                <a16:creationId xmlns="" xmlns:a16="http://schemas.microsoft.com/office/drawing/2014/main" id="{0ADCBB57-93E4-4D70-93D3-00EE64FAFD02}"/>
               </a:ext>
             </a:extLst>
           </p:cNvPr>
@@ -25425,8 +25527,8 @@
         </p:nvSpPr>
         <p:spPr>
           <a:xfrm>
-            <a:off x="6014470" y="5138807"/>
-            <a:ext cx="156411" cy="120316"/>
+            <a:off x="6170881" y="5197211"/>
+            <a:ext cx="156411" cy="61912"/>
           </a:xfrm>
           <a:prstGeom prst="rect">
             <a:avLst/>
@@ -25459,10 +25561,10 @@
       </p:sp>
       <p:sp>
         <p:nvSpPr>
-          <p:cNvPr id="38" name="矩形 29">
+          <p:cNvPr id="39" name="矩形 30">
             <a:extLst>
               <a:ext uri="{FF2B5EF4-FFF2-40B4-BE49-F238E27FC236}">
-                <a16:creationId xmlns:a16="http://schemas.microsoft.com/office/drawing/2014/main" xmlns="" id="{0ADCBB57-93E4-4D70-93D3-00EE64FAFD02}"/>
+                <a16:creationId xmlns="" xmlns:a16="http://schemas.microsoft.com/office/drawing/2014/main" id="{82422A99-0491-4703-B8E9-D0F2C7C4495B}"/>
               </a:ext>
             </a:extLst>
           </p:cNvPr>
@@ -25471,8 +25573,8 @@
         </p:nvSpPr>
         <p:spPr>
           <a:xfrm>
-            <a:off x="6170881" y="5197211"/>
-            <a:ext cx="156411" cy="61912"/>
+            <a:off x="6327292" y="5167047"/>
+            <a:ext cx="156411" cy="92076"/>
           </a:xfrm>
           <a:prstGeom prst="rect">
             <a:avLst/>
@@ -25505,10 +25607,10 @@
       </p:sp>
       <p:sp>
         <p:nvSpPr>
-          <p:cNvPr id="39" name="矩形 30">
+          <p:cNvPr id="40" name="矩形 31">
             <a:extLst>
               <a:ext uri="{FF2B5EF4-FFF2-40B4-BE49-F238E27FC236}">
-                <a16:creationId xmlns:a16="http://schemas.microsoft.com/office/drawing/2014/main" xmlns="" id="{82422A99-0491-4703-B8E9-D0F2C7C4495B}"/>
+                <a16:creationId xmlns="" xmlns:a16="http://schemas.microsoft.com/office/drawing/2014/main" id="{81439ACB-1015-48E7-A623-7BB099815A99}"/>
               </a:ext>
             </a:extLst>
           </p:cNvPr>
@@ -25517,8 +25619,8 @@
         </p:nvSpPr>
         <p:spPr>
           <a:xfrm>
-            <a:off x="6327292" y="5167047"/>
-            <a:ext cx="156411" cy="92076"/>
+            <a:off x="6483703" y="5138807"/>
+            <a:ext cx="156411" cy="120316"/>
           </a:xfrm>
           <a:prstGeom prst="rect">
             <a:avLst/>
@@ -25551,10 +25653,10 @@
       </p:sp>
       <p:sp>
         <p:nvSpPr>
-          <p:cNvPr id="40" name="矩形 31">
+          <p:cNvPr id="41" name="矩形 32">
             <a:extLst>
               <a:ext uri="{FF2B5EF4-FFF2-40B4-BE49-F238E27FC236}">
-                <a16:creationId xmlns:a16="http://schemas.microsoft.com/office/drawing/2014/main" xmlns="" id="{81439ACB-1015-48E7-A623-7BB099815A99}"/>
+                <a16:creationId xmlns="" xmlns:a16="http://schemas.microsoft.com/office/drawing/2014/main" id="{4C3C00B2-A2FE-4A68-A7F1-D09870EC5EAE}"/>
               </a:ext>
             </a:extLst>
           </p:cNvPr>
@@ -25563,8 +25665,8 @@
         </p:nvSpPr>
         <p:spPr>
           <a:xfrm>
-            <a:off x="6483703" y="5138807"/>
-            <a:ext cx="156411" cy="120316"/>
+            <a:off x="6640114" y="5011473"/>
+            <a:ext cx="156411" cy="247650"/>
           </a:xfrm>
           <a:prstGeom prst="rect">
             <a:avLst/>
@@ -25597,10 +25699,10 @@
       </p:sp>
       <p:sp>
         <p:nvSpPr>
-          <p:cNvPr id="41" name="矩形 32">
+          <p:cNvPr id="42" name="矩形 33">
             <a:extLst>
               <a:ext uri="{FF2B5EF4-FFF2-40B4-BE49-F238E27FC236}">
-                <a16:creationId xmlns:a16="http://schemas.microsoft.com/office/drawing/2014/main" xmlns="" id="{4C3C00B2-A2FE-4A68-A7F1-D09870EC5EAE}"/>
+                <a16:creationId xmlns="" xmlns:a16="http://schemas.microsoft.com/office/drawing/2014/main" id="{A655FF0B-0F4E-4CF8-8E95-B353BE583002}"/>
               </a:ext>
             </a:extLst>
           </p:cNvPr>
@@ -25609,8 +25711,8 @@
         </p:nvSpPr>
         <p:spPr>
           <a:xfrm>
-            <a:off x="6640114" y="5011473"/>
-            <a:ext cx="156411" cy="247650"/>
+            <a:off x="6796525" y="5094023"/>
+            <a:ext cx="156411" cy="165100"/>
           </a:xfrm>
           <a:prstGeom prst="rect">
             <a:avLst/>
@@ -25643,10 +25745,10 @@
       </p:sp>
       <p:sp>
         <p:nvSpPr>
-          <p:cNvPr id="42" name="矩形 33">
+          <p:cNvPr id="43" name="矩形 34">
             <a:extLst>
               <a:ext uri="{FF2B5EF4-FFF2-40B4-BE49-F238E27FC236}">
-                <a16:creationId xmlns:a16="http://schemas.microsoft.com/office/drawing/2014/main" xmlns="" id="{A655FF0B-0F4E-4CF8-8E95-B353BE583002}"/>
+                <a16:creationId xmlns="" xmlns:a16="http://schemas.microsoft.com/office/drawing/2014/main" id="{026C61B3-E377-4BE5-AB19-7127E702C0B4}"/>
               </a:ext>
             </a:extLst>
           </p:cNvPr>
@@ -25655,8 +25757,8 @@
         </p:nvSpPr>
         <p:spPr>
           <a:xfrm>
-            <a:off x="6796525" y="5094023"/>
-            <a:ext cx="156411" cy="165100"/>
+            <a:off x="6952936" y="5138807"/>
+            <a:ext cx="156411" cy="120316"/>
           </a:xfrm>
           <a:prstGeom prst="rect">
             <a:avLst/>
@@ -25689,10 +25791,10 @@
       </p:sp>
       <p:sp>
         <p:nvSpPr>
-          <p:cNvPr id="43" name="矩形 34">
+          <p:cNvPr id="44" name="矩形 35">
             <a:extLst>
               <a:ext uri="{FF2B5EF4-FFF2-40B4-BE49-F238E27FC236}">
-                <a16:creationId xmlns:a16="http://schemas.microsoft.com/office/drawing/2014/main" xmlns="" id="{026C61B3-E377-4BE5-AB19-7127E702C0B4}"/>
+                <a16:creationId xmlns="" xmlns:a16="http://schemas.microsoft.com/office/drawing/2014/main" id="{2AC1B372-EE35-4840-861D-BE82F205025D}"/>
               </a:ext>
             </a:extLst>
           </p:cNvPr>
@@ -25701,12 +25803,22 @@
         </p:nvSpPr>
         <p:spPr>
           <a:xfrm>
-            <a:off x="6952936" y="5138807"/>
-            <a:ext cx="156411" cy="120316"/>
+            <a:off x="7109347" y="5167047"/>
+            <a:ext cx="156411" cy="92076"/>
           </a:xfrm>
           <a:prstGeom prst="rect">
             <a:avLst/>
           </a:prstGeom>
+          <a:solidFill>
+            <a:schemeClr val="accent6"/>
+          </a:solidFill>
+          <a:ln>
+            <a:solidFill>
+              <a:schemeClr val="accent6">
+                <a:lumMod val="75000"/>
+              </a:schemeClr>
+            </a:solidFill>
+          </a:ln>
         </p:spPr>
         <p:style>
           <a:lnRef idx="2">
@@ -25735,10 +25847,10 @@
       </p:sp>
       <p:sp>
         <p:nvSpPr>
-          <p:cNvPr id="44" name="矩形 35">
+          <p:cNvPr id="45" name="矩形 36">
             <a:extLst>
               <a:ext uri="{FF2B5EF4-FFF2-40B4-BE49-F238E27FC236}">
-                <a16:creationId xmlns:a16="http://schemas.microsoft.com/office/drawing/2014/main" xmlns="" id="{2AC1B372-EE35-4840-861D-BE82F205025D}"/>
+                <a16:creationId xmlns="" xmlns:a16="http://schemas.microsoft.com/office/drawing/2014/main" id="{35A14DD6-8EA6-4AAF-B353-5703F0BB4E95}"/>
               </a:ext>
             </a:extLst>
           </p:cNvPr>
@@ -25747,8 +25859,8 @@
         </p:nvSpPr>
         <p:spPr>
           <a:xfrm>
-            <a:off x="7109347" y="5167047"/>
-            <a:ext cx="156411" cy="92076"/>
+            <a:off x="7265758" y="5094023"/>
+            <a:ext cx="156411" cy="165100"/>
           </a:xfrm>
           <a:prstGeom prst="rect">
             <a:avLst/>
@@ -25791,10 +25903,10 @@
       </p:sp>
       <p:sp>
         <p:nvSpPr>
-          <p:cNvPr id="45" name="矩形 36">
+          <p:cNvPr id="46" name="矩形 37">
             <a:extLst>
               <a:ext uri="{FF2B5EF4-FFF2-40B4-BE49-F238E27FC236}">
-                <a16:creationId xmlns:a16="http://schemas.microsoft.com/office/drawing/2014/main" xmlns="" id="{35A14DD6-8EA6-4AAF-B353-5703F0BB4E95}"/>
+                <a16:creationId xmlns="" xmlns:a16="http://schemas.microsoft.com/office/drawing/2014/main" id="{49F50169-2948-49D9-A46A-1865555AF54F}"/>
               </a:ext>
             </a:extLst>
           </p:cNvPr>
@@ -25803,8 +25915,8 @@
         </p:nvSpPr>
         <p:spPr>
           <a:xfrm>
-            <a:off x="7265758" y="5094023"/>
-            <a:ext cx="156411" cy="165100"/>
+            <a:off x="7420919" y="5138807"/>
+            <a:ext cx="156411" cy="120316"/>
           </a:xfrm>
           <a:prstGeom prst="rect">
             <a:avLst/>
@@ -25847,10 +25959,10 @@
       </p:sp>
       <p:sp>
         <p:nvSpPr>
-          <p:cNvPr id="46" name="矩形 37">
+          <p:cNvPr id="49" name="矩形 40">
             <a:extLst>
               <a:ext uri="{FF2B5EF4-FFF2-40B4-BE49-F238E27FC236}">
-                <a16:creationId xmlns:a16="http://schemas.microsoft.com/office/drawing/2014/main" xmlns="" id="{49F50169-2948-49D9-A46A-1865555AF54F}"/>
+                <a16:creationId xmlns="" xmlns:a16="http://schemas.microsoft.com/office/drawing/2014/main" id="{372E2FCD-8F27-4BAD-9FC0-31B82DF9B794}"/>
               </a:ext>
             </a:extLst>
           </p:cNvPr>
@@ -25859,7 +25971,7 @@
         </p:nvSpPr>
         <p:spPr>
           <a:xfrm>
-            <a:off x="7420919" y="5138807"/>
+            <a:off x="7890152" y="5138807"/>
             <a:ext cx="156411" cy="120316"/>
           </a:xfrm>
           <a:prstGeom prst="rect">
@@ -25903,10 +26015,10 @@
       </p:sp>
       <p:sp>
         <p:nvSpPr>
-          <p:cNvPr id="49" name="矩形 40">
+          <p:cNvPr id="50" name="矩形 41">
             <a:extLst>
               <a:ext uri="{FF2B5EF4-FFF2-40B4-BE49-F238E27FC236}">
-                <a16:creationId xmlns:a16="http://schemas.microsoft.com/office/drawing/2014/main" xmlns="" id="{372E2FCD-8F27-4BAD-9FC0-31B82DF9B794}"/>
+                <a16:creationId xmlns="" xmlns:a16="http://schemas.microsoft.com/office/drawing/2014/main" id="{492AC115-CEF2-416A-ADD8-9FA7E253EA9E}"/>
               </a:ext>
             </a:extLst>
           </p:cNvPr>
@@ -25915,8 +26027,8 @@
         </p:nvSpPr>
         <p:spPr>
           <a:xfrm>
-            <a:off x="7890152" y="5138807"/>
-            <a:ext cx="156411" cy="120316"/>
+            <a:off x="8046563" y="5049573"/>
+            <a:ext cx="156411" cy="209550"/>
           </a:xfrm>
           <a:prstGeom prst="rect">
             <a:avLst/>
@@ -25959,10 +26071,10 @@
       </p:sp>
       <p:sp>
         <p:nvSpPr>
-          <p:cNvPr id="50" name="矩形 41">
+          <p:cNvPr id="51" name="矩形 42">
             <a:extLst>
               <a:ext uri="{FF2B5EF4-FFF2-40B4-BE49-F238E27FC236}">
-                <a16:creationId xmlns:a16="http://schemas.microsoft.com/office/drawing/2014/main" xmlns="" id="{492AC115-CEF2-416A-ADD8-9FA7E253EA9E}"/>
+                <a16:creationId xmlns="" xmlns:a16="http://schemas.microsoft.com/office/drawing/2014/main" id="{D553AD1B-0A86-4AAC-B896-9A795CAD42B8}"/>
               </a:ext>
             </a:extLst>
           </p:cNvPr>
@@ -25971,8 +26083,8 @@
         </p:nvSpPr>
         <p:spPr>
           <a:xfrm>
-            <a:off x="8046563" y="5049573"/>
-            <a:ext cx="156411" cy="209550"/>
+            <a:off x="8202974" y="5094023"/>
+            <a:ext cx="156411" cy="165100"/>
           </a:xfrm>
           <a:prstGeom prst="rect">
             <a:avLst/>
@@ -26015,10 +26127,10 @@
       </p:sp>
       <p:sp>
         <p:nvSpPr>
-          <p:cNvPr id="51" name="矩形 42">
+          <p:cNvPr id="52" name="矩形 43">
             <a:extLst>
               <a:ext uri="{FF2B5EF4-FFF2-40B4-BE49-F238E27FC236}">
-                <a16:creationId xmlns:a16="http://schemas.microsoft.com/office/drawing/2014/main" xmlns="" id="{D553AD1B-0A86-4AAC-B896-9A795CAD42B8}"/>
+                <a16:creationId xmlns="" xmlns:a16="http://schemas.microsoft.com/office/drawing/2014/main" id="{DA54B3A4-DB02-4A8A-AA0D-12E61119B073}"/>
               </a:ext>
             </a:extLst>
           </p:cNvPr>
@@ -26027,8 +26139,8 @@
         </p:nvSpPr>
         <p:spPr>
           <a:xfrm>
-            <a:off x="8202974" y="5094023"/>
-            <a:ext cx="156411" cy="165100"/>
+            <a:off x="8359385" y="5138807"/>
+            <a:ext cx="156411" cy="120316"/>
           </a:xfrm>
           <a:prstGeom prst="rect">
             <a:avLst/>
@@ -26071,10 +26183,10 @@
       </p:sp>
       <p:sp>
         <p:nvSpPr>
-          <p:cNvPr id="52" name="矩形 43">
+          <p:cNvPr id="53" name="矩形 44">
             <a:extLst>
               <a:ext uri="{FF2B5EF4-FFF2-40B4-BE49-F238E27FC236}">
-                <a16:creationId xmlns:a16="http://schemas.microsoft.com/office/drawing/2014/main" xmlns="" id="{DA54B3A4-DB02-4A8A-AA0D-12E61119B073}"/>
+                <a16:creationId xmlns="" xmlns:a16="http://schemas.microsoft.com/office/drawing/2014/main" id="{FE8A8F6A-7E1F-450B-BA07-18C301CDC769}"/>
               </a:ext>
             </a:extLst>
           </p:cNvPr>
@@ -26083,8 +26195,8 @@
         </p:nvSpPr>
         <p:spPr>
           <a:xfrm>
-            <a:off x="8359385" y="5138807"/>
-            <a:ext cx="156411" cy="120316"/>
+            <a:off x="8515796" y="5197211"/>
+            <a:ext cx="156411" cy="61912"/>
           </a:xfrm>
           <a:prstGeom prst="rect">
             <a:avLst/>
@@ -26127,10 +26239,10 @@
       </p:sp>
       <p:sp>
         <p:nvSpPr>
-          <p:cNvPr id="53" name="矩形 44">
+          <p:cNvPr id="54" name="矩形 45">
             <a:extLst>
               <a:ext uri="{FF2B5EF4-FFF2-40B4-BE49-F238E27FC236}">
-                <a16:creationId xmlns:a16="http://schemas.microsoft.com/office/drawing/2014/main" xmlns="" id="{FE8A8F6A-7E1F-450B-BA07-18C301CDC769}"/>
+                <a16:creationId xmlns="" xmlns:a16="http://schemas.microsoft.com/office/drawing/2014/main" id="{D22293DA-2F95-4B36-9F92-AE6E9A32F136}"/>
               </a:ext>
             </a:extLst>
           </p:cNvPr>
@@ -26139,8 +26251,8 @@
         </p:nvSpPr>
         <p:spPr>
           <a:xfrm>
-            <a:off x="8515796" y="5197211"/>
-            <a:ext cx="156411" cy="61912"/>
+            <a:off x="8672207" y="5213403"/>
+            <a:ext cx="156411" cy="45720"/>
           </a:xfrm>
           <a:prstGeom prst="rect">
             <a:avLst/>
@@ -26181,68 +26293,12 @@
           </a:p>
         </p:txBody>
       </p:sp>
-      <p:sp>
-        <p:nvSpPr>
-          <p:cNvPr id="54" name="矩形 45">
-            <a:extLst>
-              <a:ext uri="{FF2B5EF4-FFF2-40B4-BE49-F238E27FC236}">
-                <a16:creationId xmlns:a16="http://schemas.microsoft.com/office/drawing/2014/main" xmlns="" id="{D22293DA-2F95-4B36-9F92-AE6E9A32F136}"/>
-              </a:ext>
-            </a:extLst>
-          </p:cNvPr>
-          <p:cNvSpPr/>
-          <p:nvPr/>
-        </p:nvSpPr>
-        <p:spPr>
-          <a:xfrm>
-            <a:off x="8672207" y="5213403"/>
-            <a:ext cx="156411" cy="45720"/>
-          </a:xfrm>
-          <a:prstGeom prst="rect">
-            <a:avLst/>
-          </a:prstGeom>
-          <a:solidFill>
-            <a:schemeClr val="accent6"/>
-          </a:solidFill>
-          <a:ln>
-            <a:solidFill>
-              <a:schemeClr val="accent6">
-                <a:lumMod val="75000"/>
-              </a:schemeClr>
-            </a:solidFill>
-          </a:ln>
-        </p:spPr>
-        <p:style>
-          <a:lnRef idx="2">
-            <a:schemeClr val="accent1">
-              <a:shade val="50000"/>
-            </a:schemeClr>
-          </a:lnRef>
-          <a:fillRef idx="1">
-            <a:schemeClr val="accent1"/>
-          </a:fillRef>
-          <a:effectRef idx="0">
-            <a:schemeClr val="accent1"/>
-          </a:effectRef>
-          <a:fontRef idx="minor">
-            <a:schemeClr val="lt1"/>
-          </a:fontRef>
-        </p:style>
-        <p:txBody>
-          <a:bodyPr rtlCol="0" anchor="ctr"/>
-          <a:lstStyle/>
-          <a:p>
-            <a:pPr algn="ctr"/>
-            <a:endParaRPr lang="zh-TW" altLang="en-US"/>
-          </a:p>
-        </p:txBody>
-      </p:sp>
       <p:cxnSp>
         <p:nvCxnSpPr>
           <p:cNvPr id="55" name="直線接點 84">
             <a:extLst>
               <a:ext uri="{FF2B5EF4-FFF2-40B4-BE49-F238E27FC236}">
-                <a16:creationId xmlns:a16="http://schemas.microsoft.com/office/drawing/2014/main" xmlns="" id="{559DD573-1F05-4FA8-86B5-5FB0416E7FEB}"/>
+                <a16:creationId xmlns="" xmlns:a16="http://schemas.microsoft.com/office/drawing/2014/main" id="{559DD573-1F05-4FA8-86B5-5FB0416E7FEB}"/>
               </a:ext>
             </a:extLst>
           </p:cNvPr>
@@ -26281,7 +26337,7 @@
           <p:cNvPr id="56" name="直線接點 85">
             <a:extLst>
               <a:ext uri="{FF2B5EF4-FFF2-40B4-BE49-F238E27FC236}">
-                <a16:creationId xmlns:a16="http://schemas.microsoft.com/office/drawing/2014/main" xmlns="" id="{709971C5-F9D2-4E72-A116-222A7651DDC9}"/>
+                <a16:creationId xmlns="" xmlns:a16="http://schemas.microsoft.com/office/drawing/2014/main" id="{709971C5-F9D2-4E72-A116-222A7651DDC9}"/>
               </a:ext>
             </a:extLst>
           </p:cNvPr>
@@ -26320,7 +26376,7 @@
           <p:cNvPr id="57" name="矩形 86">
             <a:extLst>
               <a:ext uri="{FF2B5EF4-FFF2-40B4-BE49-F238E27FC236}">
-                <a16:creationId xmlns:a16="http://schemas.microsoft.com/office/drawing/2014/main" xmlns="" id="{344DC154-B67B-4C63-81FD-6AC933544B16}"/>
+                <a16:creationId xmlns="" xmlns:a16="http://schemas.microsoft.com/office/drawing/2014/main" id="{344DC154-B67B-4C63-81FD-6AC933544B16}"/>
               </a:ext>
             </a:extLst>
           </p:cNvPr>
@@ -26384,7 +26440,7 @@
           <p:cNvPr id="58" name="矩形 87">
             <a:extLst>
               <a:ext uri="{FF2B5EF4-FFF2-40B4-BE49-F238E27FC236}">
-                <a16:creationId xmlns:a16="http://schemas.microsoft.com/office/drawing/2014/main" xmlns="" id="{E4343785-AFA2-4A5A-9C0D-59EB28A17A6F}"/>
+                <a16:creationId xmlns="" xmlns:a16="http://schemas.microsoft.com/office/drawing/2014/main" id="{E4343785-AFA2-4A5A-9C0D-59EB28A17A6F}"/>
               </a:ext>
             </a:extLst>
           </p:cNvPr>
@@ -26448,7 +26504,7 @@
           <p:cNvPr id="59" name="矩形 88">
             <a:extLst>
               <a:ext uri="{FF2B5EF4-FFF2-40B4-BE49-F238E27FC236}">
-                <a16:creationId xmlns:a16="http://schemas.microsoft.com/office/drawing/2014/main" xmlns="" id="{198AD64F-9B32-40D7-83C4-3C9C3C24DE62}"/>
+                <a16:creationId xmlns="" xmlns:a16="http://schemas.microsoft.com/office/drawing/2014/main" id="{198AD64F-9B32-40D7-83C4-3C9C3C24DE62}"/>
               </a:ext>
             </a:extLst>
           </p:cNvPr>
@@ -26512,7 +26568,7 @@
           <p:cNvPr id="60" name="直線單箭頭接點 89">
             <a:extLst>
               <a:ext uri="{FF2B5EF4-FFF2-40B4-BE49-F238E27FC236}">
-                <a16:creationId xmlns:a16="http://schemas.microsoft.com/office/drawing/2014/main" xmlns="" id="{8CF3259E-69AB-4B44-8FA7-7138C77E8B8D}"/>
+                <a16:creationId xmlns="" xmlns:a16="http://schemas.microsoft.com/office/drawing/2014/main" id="{8CF3259E-69AB-4B44-8FA7-7138C77E8B8D}"/>
               </a:ext>
             </a:extLst>
           </p:cNvPr>
@@ -26556,7 +26612,7 @@
           <p:cNvPr id="61" name="文字方塊 90">
             <a:extLst>
               <a:ext uri="{FF2B5EF4-FFF2-40B4-BE49-F238E27FC236}">
-                <a16:creationId xmlns:a16="http://schemas.microsoft.com/office/drawing/2014/main" xmlns="" id="{DB17F921-9FA7-46CB-B1EA-3FA738DAE2EB}"/>
+                <a16:creationId xmlns="" xmlns:a16="http://schemas.microsoft.com/office/drawing/2014/main" id="{DB17F921-9FA7-46CB-B1EA-3FA738DAE2EB}"/>
               </a:ext>
             </a:extLst>
           </p:cNvPr>
@@ -26601,7 +26657,7 @@
           <p:cNvPr id="62" name="直線接點 92">
             <a:extLst>
               <a:ext uri="{FF2B5EF4-FFF2-40B4-BE49-F238E27FC236}">
-                <a16:creationId xmlns:a16="http://schemas.microsoft.com/office/drawing/2014/main" xmlns="" id="{5B4B3F9A-452D-4691-8079-262B0AEE3737}"/>
+                <a16:creationId xmlns="" xmlns:a16="http://schemas.microsoft.com/office/drawing/2014/main" id="{5B4B3F9A-452D-4691-8079-262B0AEE3737}"/>
               </a:ext>
             </a:extLst>
           </p:cNvPr>
@@ -26645,7 +26701,7 @@
           <p:cNvPr id="63" name="文字方塊 93">
             <a:extLst>
               <a:ext uri="{FF2B5EF4-FFF2-40B4-BE49-F238E27FC236}">
-                <a16:creationId xmlns:a16="http://schemas.microsoft.com/office/drawing/2014/main" xmlns="" id="{D4B91F46-402D-47E4-AD39-32A418FA9986}"/>
+                <a16:creationId xmlns="" xmlns:a16="http://schemas.microsoft.com/office/drawing/2014/main" id="{D4B91F46-402D-47E4-AD39-32A418FA9986}"/>
               </a:ext>
             </a:extLst>
           </p:cNvPr>
@@ -26693,7 +26749,7 @@
           <p:cNvPr id="64" name="文字方塊 94">
             <a:extLst>
               <a:ext uri="{FF2B5EF4-FFF2-40B4-BE49-F238E27FC236}">
-                <a16:creationId xmlns:a16="http://schemas.microsoft.com/office/drawing/2014/main" xmlns="" id="{8D9F97CD-72D0-4018-9B83-E767232466AD}"/>
+                <a16:creationId xmlns="" xmlns:a16="http://schemas.microsoft.com/office/drawing/2014/main" id="{8D9F97CD-72D0-4018-9B83-E767232466AD}"/>
               </a:ext>
             </a:extLst>
           </p:cNvPr>
@@ -26741,7 +26797,7 @@
           <p:cNvPr id="4" name="TextBox 3">
             <a:extLst>
               <a:ext uri="{FF2B5EF4-FFF2-40B4-BE49-F238E27FC236}">
-                <a16:creationId xmlns:a16="http://schemas.microsoft.com/office/drawing/2014/main" xmlns="" id="{A3F2674A-CD87-473E-957F-81AA68777226}"/>
+                <a16:creationId xmlns="" xmlns:a16="http://schemas.microsoft.com/office/drawing/2014/main" id="{A3F2674A-CD87-473E-957F-81AA68777226}"/>
               </a:ext>
             </a:extLst>
           </p:cNvPr>
@@ -26776,7 +26832,7 @@
           <p:cNvPr id="66" name="矩形 23">
             <a:extLst>
               <a:ext uri="{FF2B5EF4-FFF2-40B4-BE49-F238E27FC236}">
-                <a16:creationId xmlns:a16="http://schemas.microsoft.com/office/drawing/2014/main" xmlns="" id="{9A1FE9CE-4DDA-4C7E-AC5F-E3F31180A0EC}"/>
+                <a16:creationId xmlns="" xmlns:a16="http://schemas.microsoft.com/office/drawing/2014/main" id="{9A1FE9CE-4DDA-4C7E-AC5F-E3F31180A0EC}"/>
               </a:ext>
             </a:extLst>
           </p:cNvPr>
@@ -26828,7 +26884,7 @@
           <p:cNvPr id="68" name="直線單箭頭接點 89">
             <a:extLst>
               <a:ext uri="{FF2B5EF4-FFF2-40B4-BE49-F238E27FC236}">
-                <a16:creationId xmlns:a16="http://schemas.microsoft.com/office/drawing/2014/main" xmlns="" id="{21F4ECA8-252D-4B3D-8E20-18F6FBB8EE74}"/>
+                <a16:creationId xmlns="" xmlns:a16="http://schemas.microsoft.com/office/drawing/2014/main" id="{21F4ECA8-252D-4B3D-8E20-18F6FBB8EE74}"/>
               </a:ext>
             </a:extLst>
           </p:cNvPr>
@@ -26872,7 +26928,7 @@
           <p:cNvPr id="69" name="文字方塊 90">
             <a:extLst>
               <a:ext uri="{FF2B5EF4-FFF2-40B4-BE49-F238E27FC236}">
-                <a16:creationId xmlns:a16="http://schemas.microsoft.com/office/drawing/2014/main" xmlns="" id="{3088A0DF-6E37-4617-BFBF-06879165D8A7}"/>
+                <a16:creationId xmlns="" xmlns:a16="http://schemas.microsoft.com/office/drawing/2014/main" id="{3088A0DF-6E37-4617-BFBF-06879165D8A7}"/>
               </a:ext>
             </a:extLst>
           </p:cNvPr>
@@ -26917,7 +26973,7 @@
           <p:cNvPr id="70" name="Picture 69">
             <a:extLst>
               <a:ext uri="{FF2B5EF4-FFF2-40B4-BE49-F238E27FC236}">
-                <a16:creationId xmlns:a16="http://schemas.microsoft.com/office/drawing/2014/main" xmlns="" id="{585A6FF2-7D7B-4F03-B1A6-20E7E0F26375}"/>
+                <a16:creationId xmlns="" xmlns:a16="http://schemas.microsoft.com/office/drawing/2014/main" id="{585A6FF2-7D7B-4F03-B1A6-20E7E0F26375}"/>
               </a:ext>
             </a:extLst>
           </p:cNvPr>
@@ -26947,7 +27003,7 @@
           <p:cNvPr id="2" name="Group 1">
             <a:extLst>
               <a:ext uri="{FF2B5EF4-FFF2-40B4-BE49-F238E27FC236}">
-                <a16:creationId xmlns:a16="http://schemas.microsoft.com/office/drawing/2014/main" xmlns="" id="{1F757E21-D750-41E8-B56E-00ECDD6B7D11}"/>
+                <a16:creationId xmlns="" xmlns:a16="http://schemas.microsoft.com/office/drawing/2014/main" id="{1F757E21-D750-41E8-B56E-00ECDD6B7D11}"/>
               </a:ext>
             </a:extLst>
           </p:cNvPr>
@@ -26967,7 +27023,7 @@
             <p:cNvPr id="48" name="矩形 39">
               <a:extLst>
                 <a:ext uri="{FF2B5EF4-FFF2-40B4-BE49-F238E27FC236}">
-                  <a16:creationId xmlns:a16="http://schemas.microsoft.com/office/drawing/2014/main" xmlns="" id="{6B961347-0A56-4F22-83B5-E2392DF74426}"/>
+                  <a16:creationId xmlns="" xmlns:a16="http://schemas.microsoft.com/office/drawing/2014/main" id="{6B961347-0A56-4F22-83B5-E2392DF74426}"/>
                 </a:ext>
               </a:extLst>
             </p:cNvPr>
@@ -27023,7 +27079,7 @@
             <p:cNvPr id="72" name="矩形 38">
               <a:extLst>
                 <a:ext uri="{FF2B5EF4-FFF2-40B4-BE49-F238E27FC236}">
-                  <a16:creationId xmlns:a16="http://schemas.microsoft.com/office/drawing/2014/main" xmlns="" id="{7DEE294A-71B2-4EA6-A63A-93798A3FE36A}"/>
+                  <a16:creationId xmlns="" xmlns:a16="http://schemas.microsoft.com/office/drawing/2014/main" id="{7DEE294A-71B2-4EA6-A63A-93798A3FE36A}"/>
                 </a:ext>
               </a:extLst>
             </p:cNvPr>
@@ -27079,7 +27135,7 @@
             <p:cNvPr id="73" name="矩形 38">
               <a:extLst>
                 <a:ext uri="{FF2B5EF4-FFF2-40B4-BE49-F238E27FC236}">
-                  <a16:creationId xmlns:a16="http://schemas.microsoft.com/office/drawing/2014/main" xmlns="" id="{75AAB270-A48D-4ED4-8B64-B52BC24F3F90}"/>
+                  <a16:creationId xmlns="" xmlns:a16="http://schemas.microsoft.com/office/drawing/2014/main" id="{75AAB270-A48D-4ED4-8B64-B52BC24F3F90}"/>
                 </a:ext>
               </a:extLst>
             </p:cNvPr>
@@ -27132,7 +27188,7 @@
           <p:cNvPr id="47" name="矩形 38">
             <a:extLst>
               <a:ext uri="{FF2B5EF4-FFF2-40B4-BE49-F238E27FC236}">
-                <a16:creationId xmlns:a16="http://schemas.microsoft.com/office/drawing/2014/main" xmlns="" id="{35E98B9B-E19F-46C6-902F-5B0910146438}"/>
+                <a16:creationId xmlns="" xmlns:a16="http://schemas.microsoft.com/office/drawing/2014/main" id="{35E98B9B-E19F-46C6-902F-5B0910146438}"/>
               </a:ext>
             </a:extLst>
           </p:cNvPr>
@@ -27185,10 +27241,55 @@
       </p:sp>
       <p:sp>
         <p:nvSpPr>
+          <p:cNvPr id="75" name="文字方塊 90">
+            <a:extLst>
+              <a:ext uri="{FF2B5EF4-FFF2-40B4-BE49-F238E27FC236}">
+                <a16:creationId xmlns="" xmlns:a16="http://schemas.microsoft.com/office/drawing/2014/main" id="{17FC8CC9-CAD2-42C5-B8FF-6DC8F0DB0FEF}"/>
+              </a:ext>
+            </a:extLst>
+          </p:cNvPr>
+          <p:cNvSpPr txBox="1"/>
+          <p:nvPr/>
+        </p:nvSpPr>
+        <p:spPr>
+          <a:xfrm>
+            <a:off x="7139537" y="3941979"/>
+            <a:ext cx="1140569" cy="369332"/>
+          </a:xfrm>
+          <a:prstGeom prst="rect">
+            <a:avLst/>
+          </a:prstGeom>
+          <a:noFill/>
+        </p:spPr>
+        <p:txBody>
+          <a:bodyPr wrap="none" rtlCol="0">
+            <a:spAutoFit/>
+          </a:bodyPr>
+          <a:lstStyle/>
+          <a:p>
+            <a:pPr algn="ctr"/>
+            <a:r>
+              <a:rPr lang="en-US" altLang="zh-TW" sz="1800" dirty="0">
+                <a:solidFill>
+                  <a:srgbClr val="FF0000"/>
+                </a:solidFill>
+              </a:rPr>
+              <a:t>consistent</a:t>
+            </a:r>
+            <a:endParaRPr lang="zh-TW" altLang="en-US" sz="1800" dirty="0">
+              <a:solidFill>
+                <a:srgbClr val="FF0000"/>
+              </a:solidFill>
+            </a:endParaRPr>
+          </a:p>
+        </p:txBody>
+      </p:sp>
+      <p:sp>
+        <p:nvSpPr>
           <p:cNvPr id="67" name="矩形 38">
             <a:extLst>
               <a:ext uri="{FF2B5EF4-FFF2-40B4-BE49-F238E27FC236}">
-                <a16:creationId xmlns:a16="http://schemas.microsoft.com/office/drawing/2014/main" xmlns="" id="{95EEDEAF-39AB-4727-86B8-123680D76B7D}"/>
+                <a16:creationId xmlns="" xmlns:a16="http://schemas.microsoft.com/office/drawing/2014/main" id="{95EEDEAF-39AB-4727-86B8-123680D76B7D}"/>
               </a:ext>
             </a:extLst>
           </p:cNvPr>
@@ -27235,55 +27336,10 @@
           </a:p>
         </p:txBody>
       </p:sp>
-      <p:sp>
-        <p:nvSpPr>
-          <p:cNvPr id="75" name="文字方塊 90">
-            <a:extLst>
-              <a:ext uri="{FF2B5EF4-FFF2-40B4-BE49-F238E27FC236}">
-                <a16:creationId xmlns:a16="http://schemas.microsoft.com/office/drawing/2014/main" xmlns="" id="{17FC8CC9-CAD2-42C5-B8FF-6DC8F0DB0FEF}"/>
-              </a:ext>
-            </a:extLst>
-          </p:cNvPr>
-          <p:cNvSpPr txBox="1"/>
-          <p:nvPr/>
-        </p:nvSpPr>
-        <p:spPr>
-          <a:xfrm>
-            <a:off x="7139537" y="3941979"/>
-            <a:ext cx="1140569" cy="369332"/>
-          </a:xfrm>
-          <a:prstGeom prst="rect">
-            <a:avLst/>
-          </a:prstGeom>
-          <a:noFill/>
-        </p:spPr>
-        <p:txBody>
-          <a:bodyPr wrap="none" rtlCol="0">
-            <a:spAutoFit/>
-          </a:bodyPr>
-          <a:lstStyle/>
-          <a:p>
-            <a:pPr algn="ctr"/>
-            <a:r>
-              <a:rPr lang="en-US" altLang="zh-TW" sz="1800" dirty="0">
-                <a:solidFill>
-                  <a:srgbClr val="FF0000"/>
-                </a:solidFill>
-              </a:rPr>
-              <a:t>consistent</a:t>
-            </a:r>
-            <a:endParaRPr lang="zh-TW" altLang="en-US" sz="1800" dirty="0">
-              <a:solidFill>
-                <a:srgbClr val="FF0000"/>
-              </a:solidFill>
-            </a:endParaRPr>
-          </a:p>
-        </p:txBody>
-      </p:sp>
     </p:spTree>
     <p:extLst>
       <p:ext uri="{BB962C8B-B14F-4D97-AF65-F5344CB8AC3E}">
-        <p14:creationId xmlns:p14="http://schemas.microsoft.com/office/powerpoint/2010/main" val="3714160043"/>
+        <p14:creationId xmlns:p14="http://schemas.microsoft.com/office/powerpoint/2010/main" val="1954826705"/>
       </p:ext>
     </p:extLst>
   </p:cSld>
@@ -27583,12 +27639,12 @@
       </p:par>
     </p:tnLst>
     <p:bldLst>
+      <p:bldP spid="14" grpId="0" animBg="1"/>
       <p:bldP spid="65" grpId="0" animBg="1"/>
-      <p:bldP spid="14" grpId="0" animBg="1"/>
       <p:bldP spid="61" grpId="0"/>
       <p:bldP spid="47" grpId="0" animBg="1"/>
+      <p:bldP spid="75" grpId="0"/>
       <p:bldP spid="67" grpId="0" animBg="1"/>
-      <p:bldP spid="75" grpId="0"/>
     </p:bldLst>
   </p:timing>
 </p:sld>
@@ -35350,28 +35406,28 @@
                 <a:gridCol w="2312696">
                   <a:extLst>
                     <a:ext uri="{9D8B030D-6E8A-4147-A177-3AD203B41FA5}">
-                      <a16:colId xmlns="" xmlns:a16="http://schemas.microsoft.com/office/drawing/2014/main" val="20000"/>
+                      <a16:colId xmlns:a16="http://schemas.microsoft.com/office/drawing/2014/main" xmlns="" val="20000"/>
                     </a:ext>
                   </a:extLst>
                 </a:gridCol>
                 <a:gridCol w="1378986">
                   <a:extLst>
                     <a:ext uri="{9D8B030D-6E8A-4147-A177-3AD203B41FA5}">
-                      <a16:colId xmlns="" xmlns:a16="http://schemas.microsoft.com/office/drawing/2014/main" val="20001"/>
+                      <a16:colId xmlns:a16="http://schemas.microsoft.com/office/drawing/2014/main" xmlns="" val="20001"/>
                     </a:ext>
                   </a:extLst>
                 </a:gridCol>
                 <a:gridCol w="1378986">
                   <a:extLst>
                     <a:ext uri="{9D8B030D-6E8A-4147-A177-3AD203B41FA5}">
-                      <a16:colId xmlns="" xmlns:a16="http://schemas.microsoft.com/office/drawing/2014/main" val="20002"/>
+                      <a16:colId xmlns:a16="http://schemas.microsoft.com/office/drawing/2014/main" xmlns="" val="20002"/>
                     </a:ext>
                   </a:extLst>
                 </a:gridCol>
                 <a:gridCol w="1378986">
                   <a:extLst>
                     <a:ext uri="{9D8B030D-6E8A-4147-A177-3AD203B41FA5}">
-                      <a16:colId xmlns="" xmlns:a16="http://schemas.microsoft.com/office/drawing/2014/main" val="20003"/>
+                      <a16:colId xmlns:a16="http://schemas.microsoft.com/office/drawing/2014/main" xmlns="" val="20003"/>
                     </a:ext>
                   </a:extLst>
                 </a:gridCol>
@@ -35440,7 +35496,7 @@
                 </a:tc>
                 <a:extLst>
                   <a:ext uri="{0D108BD9-81ED-4DB2-BD59-A6C34878D82A}">
-                    <a16:rowId xmlns="" xmlns:a16="http://schemas.microsoft.com/office/drawing/2014/main" val="10000"/>
+                    <a16:rowId xmlns:a16="http://schemas.microsoft.com/office/drawing/2014/main" xmlns="" val="10000"/>
                   </a:ext>
                 </a:extLst>
               </a:tr>
@@ -35511,7 +35567,7 @@
                 </a:tc>
                 <a:extLst>
                   <a:ext uri="{0D108BD9-81ED-4DB2-BD59-A6C34878D82A}">
-                    <a16:rowId xmlns="" xmlns:a16="http://schemas.microsoft.com/office/drawing/2014/main" val="10001"/>
+                    <a16:rowId xmlns:a16="http://schemas.microsoft.com/office/drawing/2014/main" xmlns="" val="10001"/>
                   </a:ext>
                 </a:extLst>
               </a:tr>
@@ -35910,28 +35966,28 @@
                 <a:gridCol w="2312696">
                   <a:extLst>
                     <a:ext uri="{9D8B030D-6E8A-4147-A177-3AD203B41FA5}">
-                      <a16:colId xmlns="" xmlns:a16="http://schemas.microsoft.com/office/drawing/2014/main" val="20000"/>
+                      <a16:colId xmlns:a16="http://schemas.microsoft.com/office/drawing/2014/main" xmlns="" val="20000"/>
                     </a:ext>
                   </a:extLst>
                 </a:gridCol>
                 <a:gridCol w="1378986">
                   <a:extLst>
                     <a:ext uri="{9D8B030D-6E8A-4147-A177-3AD203B41FA5}">
-                      <a16:colId xmlns="" xmlns:a16="http://schemas.microsoft.com/office/drawing/2014/main" val="20001"/>
+                      <a16:colId xmlns:a16="http://schemas.microsoft.com/office/drawing/2014/main" xmlns="" val="20001"/>
                     </a:ext>
                   </a:extLst>
                 </a:gridCol>
                 <a:gridCol w="1378986">
                   <a:extLst>
                     <a:ext uri="{9D8B030D-6E8A-4147-A177-3AD203B41FA5}">
-                      <a16:colId xmlns="" xmlns:a16="http://schemas.microsoft.com/office/drawing/2014/main" val="20002"/>
+                      <a16:colId xmlns:a16="http://schemas.microsoft.com/office/drawing/2014/main" xmlns="" val="20002"/>
                     </a:ext>
                   </a:extLst>
                 </a:gridCol>
                 <a:gridCol w="1378986">
                   <a:extLst>
                     <a:ext uri="{9D8B030D-6E8A-4147-A177-3AD203B41FA5}">
-                      <a16:colId xmlns="" xmlns:a16="http://schemas.microsoft.com/office/drawing/2014/main" val="20003"/>
+                      <a16:colId xmlns:a16="http://schemas.microsoft.com/office/drawing/2014/main" xmlns="" val="20003"/>
                     </a:ext>
                   </a:extLst>
                 </a:gridCol>
@@ -36000,7 +36056,7 @@
                 </a:tc>
                 <a:extLst>
                   <a:ext uri="{0D108BD9-81ED-4DB2-BD59-A6C34878D82A}">
-                    <a16:rowId xmlns="" xmlns:a16="http://schemas.microsoft.com/office/drawing/2014/main" val="10000"/>
+                    <a16:rowId xmlns:a16="http://schemas.microsoft.com/office/drawing/2014/main" xmlns="" val="10000"/>
                   </a:ext>
                 </a:extLst>
               </a:tr>
@@ -36071,7 +36127,7 @@
                 </a:tc>
                 <a:extLst>
                   <a:ext uri="{0D108BD9-81ED-4DB2-BD59-A6C34878D82A}">
-                    <a16:rowId xmlns="" xmlns:a16="http://schemas.microsoft.com/office/drawing/2014/main" val="10001"/>
+                    <a16:rowId xmlns:a16="http://schemas.microsoft.com/office/drawing/2014/main" xmlns="" val="10001"/>
                   </a:ext>
                 </a:extLst>
               </a:tr>
@@ -45199,28 +45255,28 @@
                 <a:gridCol w="286283">
                   <a:extLst>
                     <a:ext uri="{9D8B030D-6E8A-4147-A177-3AD203B41FA5}">
-                      <a16:colId xmlns:a16="http://schemas.microsoft.com/office/drawing/2014/main" xmlns="" val="1608516703"/>
+                      <a16:colId xmlns="" xmlns:a16="http://schemas.microsoft.com/office/drawing/2014/main" val="1608516703"/>
                     </a:ext>
                   </a:extLst>
                 </a:gridCol>
                 <a:gridCol w="286283">
                   <a:extLst>
                     <a:ext uri="{9D8B030D-6E8A-4147-A177-3AD203B41FA5}">
-                      <a16:colId xmlns:a16="http://schemas.microsoft.com/office/drawing/2014/main" xmlns="" val="2614361917"/>
+                      <a16:colId xmlns="" xmlns:a16="http://schemas.microsoft.com/office/drawing/2014/main" val="2614361917"/>
                     </a:ext>
                   </a:extLst>
                 </a:gridCol>
                 <a:gridCol w="286283">
                   <a:extLst>
                     <a:ext uri="{9D8B030D-6E8A-4147-A177-3AD203B41FA5}">
-                      <a16:colId xmlns:a16="http://schemas.microsoft.com/office/drawing/2014/main" xmlns="" val="3188020712"/>
+                      <a16:colId xmlns="" xmlns:a16="http://schemas.microsoft.com/office/drawing/2014/main" val="3188020712"/>
                     </a:ext>
                   </a:extLst>
                 </a:gridCol>
                 <a:gridCol w="286283">
                   <a:extLst>
                     <a:ext uri="{9D8B030D-6E8A-4147-A177-3AD203B41FA5}">
-                      <a16:colId xmlns:a16="http://schemas.microsoft.com/office/drawing/2014/main" xmlns="" val="2298472421"/>
+                      <a16:colId xmlns="" xmlns:a16="http://schemas.microsoft.com/office/drawing/2014/main" val="2298472421"/>
                     </a:ext>
                   </a:extLst>
                 </a:gridCol>
@@ -45280,7 +45336,7 @@
                 </a:tc>
                 <a:extLst>
                   <a:ext uri="{0D108BD9-81ED-4DB2-BD59-A6C34878D82A}">
-                    <a16:rowId xmlns:a16="http://schemas.microsoft.com/office/drawing/2014/main" xmlns="" val="389720661"/>
+                    <a16:rowId xmlns="" xmlns:a16="http://schemas.microsoft.com/office/drawing/2014/main" val="389720661"/>
                   </a:ext>
                 </a:extLst>
               </a:tr>
@@ -45316,28 +45372,28 @@
                 <a:gridCol w="286283">
                   <a:extLst>
                     <a:ext uri="{9D8B030D-6E8A-4147-A177-3AD203B41FA5}">
-                      <a16:colId xmlns:a16="http://schemas.microsoft.com/office/drawing/2014/main" xmlns="" val="1608516703"/>
+                      <a16:colId xmlns="" xmlns:a16="http://schemas.microsoft.com/office/drawing/2014/main" val="1608516703"/>
                     </a:ext>
                   </a:extLst>
                 </a:gridCol>
                 <a:gridCol w="286283">
                   <a:extLst>
                     <a:ext uri="{9D8B030D-6E8A-4147-A177-3AD203B41FA5}">
-                      <a16:colId xmlns:a16="http://schemas.microsoft.com/office/drawing/2014/main" xmlns="" val="2614361917"/>
+                      <a16:colId xmlns="" xmlns:a16="http://schemas.microsoft.com/office/drawing/2014/main" val="2614361917"/>
                     </a:ext>
                   </a:extLst>
                 </a:gridCol>
                 <a:gridCol w="286283">
                   <a:extLst>
                     <a:ext uri="{9D8B030D-6E8A-4147-A177-3AD203B41FA5}">
-                      <a16:colId xmlns:a16="http://schemas.microsoft.com/office/drawing/2014/main" xmlns="" val="3188020712"/>
+                      <a16:colId xmlns="" xmlns:a16="http://schemas.microsoft.com/office/drawing/2014/main" val="3188020712"/>
                     </a:ext>
                   </a:extLst>
                 </a:gridCol>
                 <a:gridCol w="286283">
                   <a:extLst>
                     <a:ext uri="{9D8B030D-6E8A-4147-A177-3AD203B41FA5}">
-                      <a16:colId xmlns:a16="http://schemas.microsoft.com/office/drawing/2014/main" xmlns="" val="2298472421"/>
+                      <a16:colId xmlns="" xmlns:a16="http://schemas.microsoft.com/office/drawing/2014/main" val="2298472421"/>
                     </a:ext>
                   </a:extLst>
                 </a:gridCol>
@@ -45397,7 +45453,7 @@
                 </a:tc>
                 <a:extLst>
                   <a:ext uri="{0D108BD9-81ED-4DB2-BD59-A6C34878D82A}">
-                    <a16:rowId xmlns:a16="http://schemas.microsoft.com/office/drawing/2014/main" xmlns="" val="389720661"/>
+                    <a16:rowId xmlns="" xmlns:a16="http://schemas.microsoft.com/office/drawing/2014/main" val="389720661"/>
                   </a:ext>
                 </a:extLst>
               </a:tr>
@@ -45433,28 +45489,28 @@
                 <a:gridCol w="286283">
                   <a:extLst>
                     <a:ext uri="{9D8B030D-6E8A-4147-A177-3AD203B41FA5}">
-                      <a16:colId xmlns:a16="http://schemas.microsoft.com/office/drawing/2014/main" xmlns="" val="1608516703"/>
+                      <a16:colId xmlns="" xmlns:a16="http://schemas.microsoft.com/office/drawing/2014/main" val="1608516703"/>
                     </a:ext>
                   </a:extLst>
                 </a:gridCol>
                 <a:gridCol w="286283">
                   <a:extLst>
                     <a:ext uri="{9D8B030D-6E8A-4147-A177-3AD203B41FA5}">
-                      <a16:colId xmlns:a16="http://schemas.microsoft.com/office/drawing/2014/main" xmlns="" val="2614361917"/>
+                      <a16:colId xmlns="" xmlns:a16="http://schemas.microsoft.com/office/drawing/2014/main" val="2614361917"/>
                     </a:ext>
                   </a:extLst>
                 </a:gridCol>
                 <a:gridCol w="286283">
                   <a:extLst>
                     <a:ext uri="{9D8B030D-6E8A-4147-A177-3AD203B41FA5}">
-                      <a16:colId xmlns:a16="http://schemas.microsoft.com/office/drawing/2014/main" xmlns="" val="3188020712"/>
+                      <a16:colId xmlns="" xmlns:a16="http://schemas.microsoft.com/office/drawing/2014/main" val="3188020712"/>
                     </a:ext>
                   </a:extLst>
                 </a:gridCol>
                 <a:gridCol w="286283">
                   <a:extLst>
                     <a:ext uri="{9D8B030D-6E8A-4147-A177-3AD203B41FA5}">
-                      <a16:colId xmlns:a16="http://schemas.microsoft.com/office/drawing/2014/main" xmlns="" val="2298472421"/>
+                      <a16:colId xmlns="" xmlns:a16="http://schemas.microsoft.com/office/drawing/2014/main" val="2298472421"/>
                     </a:ext>
                   </a:extLst>
                 </a:gridCol>
@@ -45514,7 +45570,7 @@
                 </a:tc>
                 <a:extLst>
                   <a:ext uri="{0D108BD9-81ED-4DB2-BD59-A6C34878D82A}">
-                    <a16:rowId xmlns:a16="http://schemas.microsoft.com/office/drawing/2014/main" xmlns="" val="389720661"/>
+                    <a16:rowId xmlns="" xmlns:a16="http://schemas.microsoft.com/office/drawing/2014/main" val="389720661"/>
                   </a:ext>
                 </a:extLst>
               </a:tr>
